--- a/FIPLY/Dokumente/Präsentation.pptx
+++ b/FIPLY/Dokumente/Präsentation.pptx
@@ -4,6 +4,9 @@
   <p:sldMasterIdLst>
     <p:sldMasterId id="2147483672" r:id="rId1"/>
   </p:sldMasterIdLst>
+  <p:notesMasterIdLst>
+    <p:notesMasterId r:id="rId16"/>
+  </p:notesMasterIdLst>
   <p:sldIdLst>
     <p:sldId id="256" r:id="rId2"/>
     <p:sldId id="264" r:id="rId3"/>
@@ -13,11 +16,12 @@
     <p:sldId id="258" r:id="rId7"/>
     <p:sldId id="257" r:id="rId8"/>
     <p:sldId id="268" r:id="rId9"/>
-    <p:sldId id="259" r:id="rId10"/>
-    <p:sldId id="262" r:id="rId11"/>
-    <p:sldId id="260" r:id="rId12"/>
-    <p:sldId id="261" r:id="rId13"/>
-    <p:sldId id="263" r:id="rId14"/>
+    <p:sldId id="269" r:id="rId10"/>
+    <p:sldId id="270" r:id="rId11"/>
+    <p:sldId id="271" r:id="rId12"/>
+    <p:sldId id="259" r:id="rId13"/>
+    <p:sldId id="261" r:id="rId14"/>
+    <p:sldId id="263" r:id="rId15"/>
   </p:sldIdLst>
   <p:sldSz cx="9144000" cy="6858000" type="screen4x3"/>
   <p:notesSz cx="6858000" cy="9144000"/>
@@ -2852,6 +2856,524 @@
 </dgm:styleDef>
 </file>
 
+<file path=ppt/notesMasters/notesMaster1.xml><?xml version="1.0" encoding="utf-8"?>
+<p:notesMaster xmlns:a="http://schemas.openxmlformats.org/drawingml/2006/main" xmlns:r="http://schemas.openxmlformats.org/officeDocument/2006/relationships" xmlns:p="http://schemas.openxmlformats.org/presentationml/2006/main">
+  <p:cSld>
+    <p:bg>
+      <p:bgRef idx="1001">
+        <a:schemeClr val="bg1"/>
+      </p:bgRef>
+    </p:bg>
+    <p:spTree>
+      <p:nvGrpSpPr>
+        <p:cNvPr id="1" name=""/>
+        <p:cNvGrpSpPr/>
+        <p:nvPr/>
+      </p:nvGrpSpPr>
+      <p:grpSpPr>
+        <a:xfrm>
+          <a:off x="0" y="0"/>
+          <a:ext cx="0" cy="0"/>
+          <a:chOff x="0" y="0"/>
+          <a:chExt cx="0" cy="0"/>
+        </a:xfrm>
+      </p:grpSpPr>
+      <p:sp>
+        <p:nvSpPr>
+          <p:cNvPr id="2" name="Kopfzeilenplatzhalter 1"/>
+          <p:cNvSpPr>
+            <a:spLocks noGrp="1"/>
+          </p:cNvSpPr>
+          <p:nvPr>
+            <p:ph type="hdr" sz="quarter"/>
+          </p:nvPr>
+        </p:nvSpPr>
+        <p:spPr>
+          <a:xfrm>
+            <a:off x="0" y="0"/>
+            <a:ext cx="2971800" cy="457200"/>
+          </a:xfrm>
+          <a:prstGeom prst="rect">
+            <a:avLst/>
+          </a:prstGeom>
+        </p:spPr>
+        <p:txBody>
+          <a:bodyPr vert="horz" lIns="91440" tIns="45720" rIns="91440" bIns="45720" rtlCol="0"/>
+          <a:lstStyle>
+            <a:lvl1pPr algn="l">
+              <a:defRPr sz="1200"/>
+            </a:lvl1pPr>
+          </a:lstStyle>
+          <a:p>
+            <a:endParaRPr lang="de-DE"/>
+          </a:p>
+        </p:txBody>
+      </p:sp>
+      <p:sp>
+        <p:nvSpPr>
+          <p:cNvPr id="3" name="Datumsplatzhalter 2"/>
+          <p:cNvSpPr>
+            <a:spLocks noGrp="1"/>
+          </p:cNvSpPr>
+          <p:nvPr>
+            <p:ph type="dt" idx="1"/>
+          </p:nvPr>
+        </p:nvSpPr>
+        <p:spPr>
+          <a:xfrm>
+            <a:off x="3884613" y="0"/>
+            <a:ext cx="2971800" cy="457200"/>
+          </a:xfrm>
+          <a:prstGeom prst="rect">
+            <a:avLst/>
+          </a:prstGeom>
+        </p:spPr>
+        <p:txBody>
+          <a:bodyPr vert="horz" lIns="91440" tIns="45720" rIns="91440" bIns="45720" rtlCol="0"/>
+          <a:lstStyle>
+            <a:lvl1pPr algn="r">
+              <a:defRPr sz="1200"/>
+            </a:lvl1pPr>
+          </a:lstStyle>
+          <a:p>
+            <a:fld id="{73E694D2-9F33-40A4-9DAB-EB275943D47A}" type="datetimeFigureOut">
+              <a:rPr lang="de-DE" smtClean="0"/>
+              <a:t>12.04.2016</a:t>
+            </a:fld>
+            <a:endParaRPr lang="de-DE"/>
+          </a:p>
+        </p:txBody>
+      </p:sp>
+      <p:sp>
+        <p:nvSpPr>
+          <p:cNvPr id="4" name="Folienbildplatzhalter 3"/>
+          <p:cNvSpPr>
+            <a:spLocks noGrp="1" noRot="1" noChangeAspect="1"/>
+          </p:cNvSpPr>
+          <p:nvPr>
+            <p:ph type="sldImg" idx="2"/>
+          </p:nvPr>
+        </p:nvSpPr>
+        <p:spPr>
+          <a:xfrm>
+            <a:off x="1143000" y="685800"/>
+            <a:ext cx="4572000" cy="3429000"/>
+          </a:xfrm>
+          <a:prstGeom prst="rect">
+            <a:avLst/>
+          </a:prstGeom>
+          <a:noFill/>
+          <a:ln w="12700">
+            <a:solidFill>
+              <a:prstClr val="black"/>
+            </a:solidFill>
+          </a:ln>
+        </p:spPr>
+        <p:txBody>
+          <a:bodyPr vert="horz" lIns="91440" tIns="45720" rIns="91440" bIns="45720" rtlCol="0" anchor="ctr"/>
+          <a:lstStyle/>
+          <a:p>
+            <a:endParaRPr lang="de-DE"/>
+          </a:p>
+        </p:txBody>
+      </p:sp>
+      <p:sp>
+        <p:nvSpPr>
+          <p:cNvPr id="5" name="Notizenplatzhalter 4"/>
+          <p:cNvSpPr>
+            <a:spLocks noGrp="1"/>
+          </p:cNvSpPr>
+          <p:nvPr>
+            <p:ph type="body" sz="quarter" idx="3"/>
+          </p:nvPr>
+        </p:nvSpPr>
+        <p:spPr>
+          <a:xfrm>
+            <a:off x="685800" y="4343400"/>
+            <a:ext cx="5486400" cy="4114800"/>
+          </a:xfrm>
+          <a:prstGeom prst="rect">
+            <a:avLst/>
+          </a:prstGeom>
+        </p:spPr>
+        <p:txBody>
+          <a:bodyPr vert="horz" lIns="91440" tIns="45720" rIns="91440" bIns="45720" rtlCol="0"/>
+          <a:lstStyle/>
+          <a:p>
+            <a:pPr lvl="0"/>
+            <a:r>
+              <a:rPr lang="de-DE" smtClean="0"/>
+              <a:t>Textmasterformat bearbeiten</a:t>
+            </a:r>
+          </a:p>
+          <a:p>
+            <a:pPr lvl="1"/>
+            <a:r>
+              <a:rPr lang="de-DE" smtClean="0"/>
+              <a:t>Zweite Ebene</a:t>
+            </a:r>
+          </a:p>
+          <a:p>
+            <a:pPr lvl="2"/>
+            <a:r>
+              <a:rPr lang="de-DE" smtClean="0"/>
+              <a:t>Dritte Ebene</a:t>
+            </a:r>
+          </a:p>
+          <a:p>
+            <a:pPr lvl="3"/>
+            <a:r>
+              <a:rPr lang="de-DE" smtClean="0"/>
+              <a:t>Vierte Ebene</a:t>
+            </a:r>
+          </a:p>
+          <a:p>
+            <a:pPr lvl="4"/>
+            <a:r>
+              <a:rPr lang="de-DE" smtClean="0"/>
+              <a:t>Fünfte Ebene</a:t>
+            </a:r>
+            <a:endParaRPr lang="de-DE"/>
+          </a:p>
+        </p:txBody>
+      </p:sp>
+      <p:sp>
+        <p:nvSpPr>
+          <p:cNvPr id="6" name="Fußzeilenplatzhalter 5"/>
+          <p:cNvSpPr>
+            <a:spLocks noGrp="1"/>
+          </p:cNvSpPr>
+          <p:nvPr>
+            <p:ph type="ftr" sz="quarter" idx="4"/>
+          </p:nvPr>
+        </p:nvSpPr>
+        <p:spPr>
+          <a:xfrm>
+            <a:off x="0" y="8685213"/>
+            <a:ext cx="2971800" cy="457200"/>
+          </a:xfrm>
+          <a:prstGeom prst="rect">
+            <a:avLst/>
+          </a:prstGeom>
+        </p:spPr>
+        <p:txBody>
+          <a:bodyPr vert="horz" lIns="91440" tIns="45720" rIns="91440" bIns="45720" rtlCol="0" anchor="b"/>
+          <a:lstStyle>
+            <a:lvl1pPr algn="l">
+              <a:defRPr sz="1200"/>
+            </a:lvl1pPr>
+          </a:lstStyle>
+          <a:p>
+            <a:endParaRPr lang="de-DE"/>
+          </a:p>
+        </p:txBody>
+      </p:sp>
+      <p:sp>
+        <p:nvSpPr>
+          <p:cNvPr id="7" name="Foliennummernplatzhalter 6"/>
+          <p:cNvSpPr>
+            <a:spLocks noGrp="1"/>
+          </p:cNvSpPr>
+          <p:nvPr>
+            <p:ph type="sldNum" sz="quarter" idx="5"/>
+          </p:nvPr>
+        </p:nvSpPr>
+        <p:spPr>
+          <a:xfrm>
+            <a:off x="3884613" y="8685213"/>
+            <a:ext cx="2971800" cy="457200"/>
+          </a:xfrm>
+          <a:prstGeom prst="rect">
+            <a:avLst/>
+          </a:prstGeom>
+        </p:spPr>
+        <p:txBody>
+          <a:bodyPr vert="horz" lIns="91440" tIns="45720" rIns="91440" bIns="45720" rtlCol="0" anchor="b"/>
+          <a:lstStyle>
+            <a:lvl1pPr algn="r">
+              <a:defRPr sz="1200"/>
+            </a:lvl1pPr>
+          </a:lstStyle>
+          <a:p>
+            <a:fld id="{59B6AAFE-1443-4BE4-82C8-3D6D2087F3F5}" type="slidenum">
+              <a:rPr lang="de-DE" smtClean="0"/>
+              <a:t>‹Nr.›</a:t>
+            </a:fld>
+            <a:endParaRPr lang="de-DE"/>
+          </a:p>
+        </p:txBody>
+      </p:sp>
+    </p:spTree>
+    <p:extLst>
+      <p:ext uri="{BB962C8B-B14F-4D97-AF65-F5344CB8AC3E}">
+        <p14:creationId xmlns:p14="http://schemas.microsoft.com/office/powerpoint/2010/main" val="3785257852"/>
+      </p:ext>
+    </p:extLst>
+  </p:cSld>
+  <p:clrMap bg1="lt1" tx1="dk1" bg2="lt2" tx2="dk2" accent1="accent1" accent2="accent2" accent3="accent3" accent4="accent4" accent5="accent5" accent6="accent6" hlink="hlink" folHlink="folHlink"/>
+  <p:notesStyle>
+    <a:lvl1pPr marL="0" algn="l" defTabSz="914400" rtl="0" eaLnBrk="1" latinLnBrk="0" hangingPunct="1">
+      <a:defRPr sz="1200" kern="1200">
+        <a:solidFill>
+          <a:schemeClr val="tx1"/>
+        </a:solidFill>
+        <a:latin typeface="+mn-lt"/>
+        <a:ea typeface="+mn-ea"/>
+        <a:cs typeface="+mn-cs"/>
+      </a:defRPr>
+    </a:lvl1pPr>
+    <a:lvl2pPr marL="457200" algn="l" defTabSz="914400" rtl="0" eaLnBrk="1" latinLnBrk="0" hangingPunct="1">
+      <a:defRPr sz="1200" kern="1200">
+        <a:solidFill>
+          <a:schemeClr val="tx1"/>
+        </a:solidFill>
+        <a:latin typeface="+mn-lt"/>
+        <a:ea typeface="+mn-ea"/>
+        <a:cs typeface="+mn-cs"/>
+      </a:defRPr>
+    </a:lvl2pPr>
+    <a:lvl3pPr marL="914400" algn="l" defTabSz="914400" rtl="0" eaLnBrk="1" latinLnBrk="0" hangingPunct="1">
+      <a:defRPr sz="1200" kern="1200">
+        <a:solidFill>
+          <a:schemeClr val="tx1"/>
+        </a:solidFill>
+        <a:latin typeface="+mn-lt"/>
+        <a:ea typeface="+mn-ea"/>
+        <a:cs typeface="+mn-cs"/>
+      </a:defRPr>
+    </a:lvl3pPr>
+    <a:lvl4pPr marL="1371600" algn="l" defTabSz="914400" rtl="0" eaLnBrk="1" latinLnBrk="0" hangingPunct="1">
+      <a:defRPr sz="1200" kern="1200">
+        <a:solidFill>
+          <a:schemeClr val="tx1"/>
+        </a:solidFill>
+        <a:latin typeface="+mn-lt"/>
+        <a:ea typeface="+mn-ea"/>
+        <a:cs typeface="+mn-cs"/>
+      </a:defRPr>
+    </a:lvl4pPr>
+    <a:lvl5pPr marL="1828800" algn="l" defTabSz="914400" rtl="0" eaLnBrk="1" latinLnBrk="0" hangingPunct="1">
+      <a:defRPr sz="1200" kern="1200">
+        <a:solidFill>
+          <a:schemeClr val="tx1"/>
+        </a:solidFill>
+        <a:latin typeface="+mn-lt"/>
+        <a:ea typeface="+mn-ea"/>
+        <a:cs typeface="+mn-cs"/>
+      </a:defRPr>
+    </a:lvl5pPr>
+    <a:lvl6pPr marL="2286000" algn="l" defTabSz="914400" rtl="0" eaLnBrk="1" latinLnBrk="0" hangingPunct="1">
+      <a:defRPr sz="1200" kern="1200">
+        <a:solidFill>
+          <a:schemeClr val="tx1"/>
+        </a:solidFill>
+        <a:latin typeface="+mn-lt"/>
+        <a:ea typeface="+mn-ea"/>
+        <a:cs typeface="+mn-cs"/>
+      </a:defRPr>
+    </a:lvl6pPr>
+    <a:lvl7pPr marL="2743200" algn="l" defTabSz="914400" rtl="0" eaLnBrk="1" latinLnBrk="0" hangingPunct="1">
+      <a:defRPr sz="1200" kern="1200">
+        <a:solidFill>
+          <a:schemeClr val="tx1"/>
+        </a:solidFill>
+        <a:latin typeface="+mn-lt"/>
+        <a:ea typeface="+mn-ea"/>
+        <a:cs typeface="+mn-cs"/>
+      </a:defRPr>
+    </a:lvl7pPr>
+    <a:lvl8pPr marL="3200400" algn="l" defTabSz="914400" rtl="0" eaLnBrk="1" latinLnBrk="0" hangingPunct="1">
+      <a:defRPr sz="1200" kern="1200">
+        <a:solidFill>
+          <a:schemeClr val="tx1"/>
+        </a:solidFill>
+        <a:latin typeface="+mn-lt"/>
+        <a:ea typeface="+mn-ea"/>
+        <a:cs typeface="+mn-cs"/>
+      </a:defRPr>
+    </a:lvl8pPr>
+    <a:lvl9pPr marL="3657600" algn="l" defTabSz="914400" rtl="0" eaLnBrk="1" latinLnBrk="0" hangingPunct="1">
+      <a:defRPr sz="1200" kern="1200">
+        <a:solidFill>
+          <a:schemeClr val="tx1"/>
+        </a:solidFill>
+        <a:latin typeface="+mn-lt"/>
+        <a:ea typeface="+mn-ea"/>
+        <a:cs typeface="+mn-cs"/>
+      </a:defRPr>
+    </a:lvl9pPr>
+  </p:notesStyle>
+</p:notesMaster>
+</file>
+
+<file path=ppt/notesSlides/notesSlide1.xml><?xml version="1.0" encoding="utf-8"?>
+<p:notes xmlns:a="http://schemas.openxmlformats.org/drawingml/2006/main" xmlns:r="http://schemas.openxmlformats.org/officeDocument/2006/relationships" xmlns:p="http://schemas.openxmlformats.org/presentationml/2006/main">
+  <p:cSld>
+    <p:spTree>
+      <p:nvGrpSpPr>
+        <p:cNvPr id="1" name=""/>
+        <p:cNvGrpSpPr/>
+        <p:nvPr/>
+      </p:nvGrpSpPr>
+      <p:grpSpPr>
+        <a:xfrm>
+          <a:off x="0" y="0"/>
+          <a:ext cx="0" cy="0"/>
+          <a:chOff x="0" y="0"/>
+          <a:chExt cx="0" cy="0"/>
+        </a:xfrm>
+      </p:grpSpPr>
+      <p:sp>
+        <p:nvSpPr>
+          <p:cNvPr id="2" name="Folienbildplatzhalter 1"/>
+          <p:cNvSpPr>
+            <a:spLocks noGrp="1" noRot="1" noChangeAspect="1"/>
+          </p:cNvSpPr>
+          <p:nvPr>
+            <p:ph type="sldImg"/>
+          </p:nvPr>
+        </p:nvSpPr>
+        <p:spPr/>
+      </p:sp>
+      <p:sp>
+        <p:nvSpPr>
+          <p:cNvPr id="3" name="Notizenplatzhalter 2"/>
+          <p:cNvSpPr>
+            <a:spLocks noGrp="1"/>
+          </p:cNvSpPr>
+          <p:nvPr>
+            <p:ph type="body" idx="1"/>
+          </p:nvPr>
+        </p:nvSpPr>
+        <p:spPr/>
+        <p:txBody>
+          <a:bodyPr/>
+          <a:lstStyle/>
+          <a:p>
+            <a:endParaRPr lang="de-DE" dirty="0"/>
+          </a:p>
+        </p:txBody>
+      </p:sp>
+      <p:sp>
+        <p:nvSpPr>
+          <p:cNvPr id="4" name="Foliennummernplatzhalter 3"/>
+          <p:cNvSpPr>
+            <a:spLocks noGrp="1"/>
+          </p:cNvSpPr>
+          <p:nvPr>
+            <p:ph type="sldNum" sz="quarter" idx="10"/>
+          </p:nvPr>
+        </p:nvSpPr>
+        <p:spPr/>
+        <p:txBody>
+          <a:bodyPr/>
+          <a:lstStyle/>
+          <a:p>
+            <a:fld id="{59B6AAFE-1443-4BE4-82C8-3D6D2087F3F5}" type="slidenum">
+              <a:rPr lang="de-DE" smtClean="0"/>
+              <a:t>10</a:t>
+            </a:fld>
+            <a:endParaRPr lang="de-DE"/>
+          </a:p>
+        </p:txBody>
+      </p:sp>
+    </p:spTree>
+    <p:extLst>
+      <p:ext uri="{BB962C8B-B14F-4D97-AF65-F5344CB8AC3E}">
+        <p14:creationId xmlns:p14="http://schemas.microsoft.com/office/powerpoint/2010/main" val="2822184574"/>
+      </p:ext>
+    </p:extLst>
+  </p:cSld>
+  <p:clrMapOvr>
+    <a:masterClrMapping/>
+  </p:clrMapOvr>
+</p:notes>
+</file>
+
+<file path=ppt/notesSlides/notesSlide2.xml><?xml version="1.0" encoding="utf-8"?>
+<p:notes xmlns:a="http://schemas.openxmlformats.org/drawingml/2006/main" xmlns:r="http://schemas.openxmlformats.org/officeDocument/2006/relationships" xmlns:p="http://schemas.openxmlformats.org/presentationml/2006/main">
+  <p:cSld>
+    <p:spTree>
+      <p:nvGrpSpPr>
+        <p:cNvPr id="1" name=""/>
+        <p:cNvGrpSpPr/>
+        <p:nvPr/>
+      </p:nvGrpSpPr>
+      <p:grpSpPr>
+        <a:xfrm>
+          <a:off x="0" y="0"/>
+          <a:ext cx="0" cy="0"/>
+          <a:chOff x="0" y="0"/>
+          <a:chExt cx="0" cy="0"/>
+        </a:xfrm>
+      </p:grpSpPr>
+      <p:sp>
+        <p:nvSpPr>
+          <p:cNvPr id="2" name="Folienbildplatzhalter 1"/>
+          <p:cNvSpPr>
+            <a:spLocks noGrp="1" noRot="1" noChangeAspect="1"/>
+          </p:cNvSpPr>
+          <p:nvPr>
+            <p:ph type="sldImg"/>
+          </p:nvPr>
+        </p:nvSpPr>
+        <p:spPr/>
+      </p:sp>
+      <p:sp>
+        <p:nvSpPr>
+          <p:cNvPr id="3" name="Notizenplatzhalter 2"/>
+          <p:cNvSpPr>
+            <a:spLocks noGrp="1"/>
+          </p:cNvSpPr>
+          <p:nvPr>
+            <p:ph type="body" idx="1"/>
+          </p:nvPr>
+        </p:nvSpPr>
+        <p:spPr/>
+        <p:txBody>
+          <a:bodyPr/>
+          <a:lstStyle/>
+          <a:p>
+            <a:endParaRPr lang="de-DE" dirty="0"/>
+          </a:p>
+        </p:txBody>
+      </p:sp>
+      <p:sp>
+        <p:nvSpPr>
+          <p:cNvPr id="4" name="Foliennummernplatzhalter 3"/>
+          <p:cNvSpPr>
+            <a:spLocks noGrp="1"/>
+          </p:cNvSpPr>
+          <p:nvPr>
+            <p:ph type="sldNum" sz="quarter" idx="10"/>
+          </p:nvPr>
+        </p:nvSpPr>
+        <p:spPr/>
+        <p:txBody>
+          <a:bodyPr/>
+          <a:lstStyle/>
+          <a:p>
+            <a:fld id="{59B6AAFE-1443-4BE4-82C8-3D6D2087F3F5}" type="slidenum">
+              <a:rPr lang="de-DE" smtClean="0"/>
+              <a:t>11</a:t>
+            </a:fld>
+            <a:endParaRPr lang="de-DE"/>
+          </a:p>
+        </p:txBody>
+      </p:sp>
+    </p:spTree>
+    <p:extLst>
+      <p:ext uri="{BB962C8B-B14F-4D97-AF65-F5344CB8AC3E}">
+        <p14:creationId xmlns:p14="http://schemas.microsoft.com/office/powerpoint/2010/main" val="2822184574"/>
+      </p:ext>
+    </p:extLst>
+  </p:cSld>
+  <p:clrMapOvr>
+    <a:masterClrMapping/>
+  </p:clrMapOvr>
+</p:notes>
+</file>
+
 <file path=ppt/slideLayouts/slideLayout1.xml><?xml version="1.0" encoding="utf-8"?>
 <p:sldLayout xmlns:a="http://schemas.openxmlformats.org/drawingml/2006/main" xmlns:r="http://schemas.openxmlformats.org/officeDocument/2006/relationships" xmlns:p="http://schemas.openxmlformats.org/presentationml/2006/main" showMasterSp="0" type="title" preserve="1">
   <p:cSld name="Titelfolie">
@@ -3157,7 +3679,7 @@
               <a:pPr>
                 <a:defRPr/>
               </a:pPr>
-              <a:t>12.04.16</a:t>
+              <a:t>12.04.2016</a:t>
             </a:fld>
             <a:endParaRPr lang="de-DE"/>
           </a:p>
@@ -3362,7 +3884,7 @@
               <a:pPr>
                 <a:defRPr/>
               </a:pPr>
-              <a:t>12.04.16</a:t>
+              <a:t>12.04.2016</a:t>
             </a:fld>
             <a:endParaRPr lang="de-DE"/>
           </a:p>
@@ -3679,7 +4201,7 @@
               <a:pPr>
                 <a:defRPr/>
               </a:pPr>
-              <a:t>12.04.16</a:t>
+              <a:t>12.04.2016</a:t>
             </a:fld>
             <a:endParaRPr lang="de-DE"/>
           </a:p>
@@ -3880,7 +4402,7 @@
               <a:pPr>
                 <a:defRPr/>
               </a:pPr>
-              <a:t>12.04.16</a:t>
+              <a:t>12.04.2016</a:t>
             </a:fld>
             <a:endParaRPr lang="de-DE"/>
           </a:p>
@@ -4265,7 +4787,7 @@
               <a:pPr>
                 <a:defRPr/>
               </a:pPr>
-              <a:t>12.04.16</a:t>
+              <a:t>12.04.2016</a:t>
             </a:fld>
             <a:endParaRPr lang="de-DE"/>
           </a:p>
@@ -4588,7 +5110,7 @@
               <a:pPr>
                 <a:defRPr/>
               </a:pPr>
-              <a:t>12.04.16</a:t>
+              <a:t>12.04.2016</a:t>
             </a:fld>
             <a:endParaRPr lang="de-DE"/>
           </a:p>
@@ -5043,7 +5565,7 @@
               <a:pPr>
                 <a:defRPr/>
               </a:pPr>
-              <a:t>12.04.16</a:t>
+              <a:t>12.04.2016</a:t>
             </a:fld>
             <a:endParaRPr lang="de-DE"/>
           </a:p>
@@ -5190,7 +5712,7 @@
               <a:pPr>
                 <a:defRPr/>
               </a:pPr>
-              <a:t>12.04.16</a:t>
+              <a:t>12.04.2016</a:t>
             </a:fld>
             <a:endParaRPr lang="de-DE"/>
           </a:p>
@@ -5368,7 +5890,7 @@
               <a:pPr>
                 <a:defRPr/>
               </a:pPr>
-              <a:t>12.04.16</a:t>
+              <a:t>12.04.2016</a:t>
             </a:fld>
             <a:endParaRPr lang="de-DE"/>
           </a:p>
@@ -5840,7 +6362,7 @@
               <a:pPr>
                 <a:defRPr/>
               </a:pPr>
-              <a:t>12.04.16</a:t>
+              <a:t>12.04.2016</a:t>
             </a:fld>
             <a:endParaRPr lang="de-DE"/>
           </a:p>
@@ -6247,7 +6769,7 @@
               <a:pPr>
                 <a:defRPr/>
               </a:pPr>
-              <a:t>12.04.16</a:t>
+              <a:t>12.04.2016</a:t>
             </a:fld>
             <a:endParaRPr lang="de-DE"/>
           </a:p>
@@ -6598,7 +7120,7 @@
               <a:pPr>
                 <a:defRPr/>
               </a:pPr>
-              <a:t>12.04.16</a:t>
+              <a:t>12.04.2016</a:t>
             </a:fld>
             <a:endParaRPr lang="de-DE"/>
           </a:p>
@@ -7309,14 +7831,14 @@
             <a:noFill/>
           </a:ln>
           <a:extLst>
-            <a:ext uri="{909E8E84-426E-40dd-AFC4-6F175D3DCCD1}">
+            <a:ext uri="{909E8E84-426E-40DD-AFC4-6F175D3DCCD1}">
               <a14:hiddenFill xmlns:a14="http://schemas.microsoft.com/office/drawing/2010/main">
                 <a:solidFill>
                   <a:srgbClr val="FFFFFF"/>
                 </a:solidFill>
               </a14:hiddenFill>
             </a:ext>
-            <a:ext uri="{91240B29-F687-4f45-9708-019B960494DF}">
+            <a:ext uri="{91240B29-F687-4F45-9708-019B960494DF}">
               <a14:hiddenLine xmlns:a14="http://schemas.microsoft.com/office/drawing/2010/main" w="9525">
                 <a:solidFill>
                   <a:srgbClr val="000000"/>
@@ -7337,7 +7859,7 @@
   <p:timing>
     <p:tnLst>
       <p:par>
-        <p:cTn xmlns:p14="http://schemas.microsoft.com/office/powerpoint/2010/main" id="1" dur="indefinite" restart="never" nodeType="tmRoot"/>
+        <p:cTn id="1" dur="indefinite" restart="never" nodeType="tmRoot"/>
       </p:par>
     </p:tnLst>
   </p:timing>
@@ -7345,6 +7867,850 @@
 </file>
 
 <file path=ppt/slides/slide10.xml><?xml version="1.0" encoding="utf-8"?>
+<p:sld xmlns:a="http://schemas.openxmlformats.org/drawingml/2006/main" xmlns:r="http://schemas.openxmlformats.org/officeDocument/2006/relationships" xmlns:p="http://schemas.openxmlformats.org/presentationml/2006/main">
+  <p:cSld>
+    <p:spTree>
+      <p:nvGrpSpPr>
+        <p:cNvPr id="1" name=""/>
+        <p:cNvGrpSpPr/>
+        <p:nvPr/>
+      </p:nvGrpSpPr>
+      <p:grpSpPr>
+        <a:xfrm>
+          <a:off x="0" y="0"/>
+          <a:ext cx="0" cy="0"/>
+          <a:chOff x="0" y="0"/>
+          <a:chExt cx="0" cy="0"/>
+        </a:xfrm>
+      </p:grpSpPr>
+      <p:sp>
+        <p:nvSpPr>
+          <p:cNvPr id="3" name="Titel 2"/>
+          <p:cNvSpPr>
+            <a:spLocks noGrp="1"/>
+          </p:cNvSpPr>
+          <p:nvPr>
+            <p:ph type="title"/>
+          </p:nvPr>
+        </p:nvSpPr>
+        <p:spPr/>
+        <p:txBody>
+          <a:bodyPr/>
+          <a:lstStyle/>
+          <a:p>
+            <a:r>
+              <a:rPr lang="de-AT" dirty="0" err="1" smtClean="0"/>
+              <a:t>tRAININGSASSISTENT</a:t>
+            </a:r>
+            <a:endParaRPr lang="de-DE" dirty="0"/>
+          </a:p>
+        </p:txBody>
+      </p:sp>
+      <p:pic>
+        <p:nvPicPr>
+          <p:cNvPr id="3076" name="Picture 4" descr="C:\Users\Andreas\Desktop\Github\2015_fiply\FIPLY\Dokumente\PräsentationBilder\assistant3.png"/>
+          <p:cNvPicPr>
+            <a:picLocks noChangeAspect="1" noChangeArrowheads="1"/>
+          </p:cNvPicPr>
+          <p:nvPr/>
+        </p:nvPicPr>
+        <p:blipFill>
+          <a:blip r:embed="rId3">
+            <a:extLst>
+              <a:ext uri="{28A0092B-C50C-407E-A947-70E740481C1C}">
+                <a14:useLocalDpi xmlns:a14="http://schemas.microsoft.com/office/drawing/2010/main" val="0"/>
+              </a:ext>
+            </a:extLst>
+          </a:blip>
+          <a:srcRect/>
+          <a:stretch>
+            <a:fillRect/>
+          </a:stretch>
+        </p:blipFill>
+        <p:spPr bwMode="auto">
+          <a:xfrm>
+            <a:off x="6220641" y="1532706"/>
+            <a:ext cx="2829742" cy="5030653"/>
+          </a:xfrm>
+          <a:prstGeom prst="rect">
+            <a:avLst/>
+          </a:prstGeom>
+          <a:noFill/>
+          <a:extLst>
+            <a:ext uri="{909E8E84-426E-40DD-AFC4-6F175D3DCCD1}">
+              <a14:hiddenFill xmlns:a14="http://schemas.microsoft.com/office/drawing/2010/main">
+                <a:solidFill>
+                  <a:srgbClr val="FFFFFF"/>
+                </a:solidFill>
+              </a14:hiddenFill>
+            </a:ext>
+          </a:extLst>
+        </p:spPr>
+      </p:pic>
+      <p:pic>
+        <p:nvPicPr>
+          <p:cNvPr id="4098" name="Picture 2" descr="C:\Users\Andreas\Desktop\Github\2015_fiply\FIPLY\Dokumente\PräsentationBilder\assistant0.png"/>
+          <p:cNvPicPr>
+            <a:picLocks noChangeAspect="1" noChangeArrowheads="1"/>
+          </p:cNvPicPr>
+          <p:nvPr/>
+        </p:nvPicPr>
+        <p:blipFill>
+          <a:blip r:embed="rId4">
+            <a:extLst>
+              <a:ext uri="{28A0092B-C50C-407E-A947-70E740481C1C}">
+                <a14:useLocalDpi xmlns:a14="http://schemas.microsoft.com/office/drawing/2010/main" val="0"/>
+              </a:ext>
+            </a:extLst>
+          </a:blip>
+          <a:srcRect/>
+          <a:stretch>
+            <a:fillRect/>
+          </a:stretch>
+        </p:blipFill>
+        <p:spPr bwMode="auto">
+          <a:xfrm>
+            <a:off x="3291841" y="1526902"/>
+            <a:ext cx="2829742" cy="5030652"/>
+          </a:xfrm>
+          <a:prstGeom prst="rect">
+            <a:avLst/>
+          </a:prstGeom>
+          <a:noFill/>
+          <a:extLst>
+            <a:ext uri="{909E8E84-426E-40DD-AFC4-6F175D3DCCD1}">
+              <a14:hiddenFill xmlns:a14="http://schemas.microsoft.com/office/drawing/2010/main">
+                <a:solidFill>
+                  <a:srgbClr val="FFFFFF"/>
+                </a:solidFill>
+              </a14:hiddenFill>
+            </a:ext>
+          </a:extLst>
+        </p:spPr>
+      </p:pic>
+      <p:sp>
+        <p:nvSpPr>
+          <p:cNvPr id="2" name="Textfeld 1"/>
+          <p:cNvSpPr txBox="1"/>
+          <p:nvPr/>
+        </p:nvSpPr>
+        <p:spPr>
+          <a:xfrm>
+            <a:off x="130629" y="1645920"/>
+            <a:ext cx="3161212" cy="4016484"/>
+          </a:xfrm>
+          <a:prstGeom prst="rect">
+            <a:avLst/>
+          </a:prstGeom>
+          <a:noFill/>
+        </p:spPr>
+        <p:txBody>
+          <a:bodyPr wrap="square" rtlCol="0">
+            <a:spAutoFit/>
+          </a:bodyPr>
+          <a:lstStyle/>
+          <a:p>
+            <a:r>
+              <a:rPr lang="de-AT" sz="2550" dirty="0" smtClean="0"/>
+              <a:t> </a:t>
+            </a:r>
+          </a:p>
+          <a:p>
+            <a:r>
+              <a:rPr lang="de-AT" sz="2550" dirty="0" smtClean="0"/>
+              <a:t>- Trainingsübersicht</a:t>
+            </a:r>
+          </a:p>
+          <a:p>
+            <a:endParaRPr lang="de-AT" sz="2550" dirty="0"/>
+          </a:p>
+          <a:p>
+            <a:r>
+              <a:rPr lang="de-AT" sz="2550" dirty="0" smtClean="0"/>
+              <a:t>- Stoppuhr</a:t>
+            </a:r>
+          </a:p>
+          <a:p>
+            <a:endParaRPr lang="de-AT" sz="2550" dirty="0"/>
+          </a:p>
+          <a:p>
+            <a:r>
+              <a:rPr lang="de-AT" sz="2550" dirty="0" smtClean="0"/>
+              <a:t>- Countdown</a:t>
+            </a:r>
+          </a:p>
+          <a:p>
+            <a:endParaRPr lang="de-AT" sz="2550" dirty="0"/>
+          </a:p>
+          <a:p>
+            <a:r>
+              <a:rPr lang="de-AT" sz="2550" dirty="0" smtClean="0"/>
+              <a:t>- Anpassbares Layout</a:t>
+            </a:r>
+          </a:p>
+          <a:p>
+            <a:endParaRPr lang="de-AT" sz="2550" dirty="0"/>
+          </a:p>
+          <a:p>
+            <a:r>
+              <a:rPr lang="de-AT" sz="2550" dirty="0" smtClean="0"/>
+              <a:t>- Musik</a:t>
+            </a:r>
+          </a:p>
+        </p:txBody>
+      </p:sp>
+    </p:spTree>
+    <p:extLst>
+      <p:ext uri="{BB962C8B-B14F-4D97-AF65-F5344CB8AC3E}">
+        <p14:creationId xmlns:p14="http://schemas.microsoft.com/office/powerpoint/2010/main" val="899097218"/>
+      </p:ext>
+    </p:extLst>
+  </p:cSld>
+  <p:clrMapOvr>
+    <a:masterClrMapping/>
+  </p:clrMapOvr>
+  <p:timing>
+    <p:tnLst>
+      <p:par>
+        <p:cTn id="1" dur="indefinite" restart="never" nodeType="tmRoot"/>
+      </p:par>
+    </p:tnLst>
+  </p:timing>
+</p:sld>
+</file>
+
+<file path=ppt/slides/slide11.xml><?xml version="1.0" encoding="utf-8"?>
+<p:sld xmlns:a="http://schemas.openxmlformats.org/drawingml/2006/main" xmlns:r="http://schemas.openxmlformats.org/officeDocument/2006/relationships" xmlns:p="http://schemas.openxmlformats.org/presentationml/2006/main">
+  <p:cSld>
+    <p:spTree>
+      <p:nvGrpSpPr>
+        <p:cNvPr id="1" name=""/>
+        <p:cNvGrpSpPr/>
+        <p:nvPr/>
+      </p:nvGrpSpPr>
+      <p:grpSpPr>
+        <a:xfrm>
+          <a:off x="0" y="0"/>
+          <a:ext cx="0" cy="0"/>
+          <a:chOff x="0" y="0"/>
+          <a:chExt cx="0" cy="0"/>
+        </a:xfrm>
+      </p:grpSpPr>
+      <p:sp>
+        <p:nvSpPr>
+          <p:cNvPr id="3" name="Titel 2"/>
+          <p:cNvSpPr>
+            <a:spLocks noGrp="1"/>
+          </p:cNvSpPr>
+          <p:nvPr>
+            <p:ph type="title"/>
+          </p:nvPr>
+        </p:nvSpPr>
+        <p:spPr/>
+        <p:txBody>
+          <a:bodyPr/>
+          <a:lstStyle/>
+          <a:p>
+            <a:r>
+              <a:rPr lang="de-AT" dirty="0" err="1" smtClean="0"/>
+              <a:t>tRAININGSASSISTENT</a:t>
+            </a:r>
+            <a:endParaRPr lang="de-DE" dirty="0"/>
+          </a:p>
+        </p:txBody>
+      </p:sp>
+      <p:sp>
+        <p:nvSpPr>
+          <p:cNvPr id="2" name="Textfeld 1"/>
+          <p:cNvSpPr txBox="1"/>
+          <p:nvPr/>
+        </p:nvSpPr>
+        <p:spPr>
+          <a:xfrm>
+            <a:off x="130629" y="1645920"/>
+            <a:ext cx="3161212" cy="1661993"/>
+          </a:xfrm>
+          <a:prstGeom prst="rect">
+            <a:avLst/>
+          </a:prstGeom>
+          <a:noFill/>
+        </p:spPr>
+        <p:txBody>
+          <a:bodyPr wrap="square" rtlCol="0">
+            <a:spAutoFit/>
+          </a:bodyPr>
+          <a:lstStyle/>
+          <a:p>
+            <a:r>
+              <a:rPr lang="de-AT" sz="2550" dirty="0" smtClean="0"/>
+              <a:t> </a:t>
+            </a:r>
+            <a:endParaRPr lang="de-AT" sz="2550" dirty="0"/>
+          </a:p>
+          <a:p>
+            <a:r>
+              <a:rPr lang="de-AT" sz="2550" dirty="0" smtClean="0"/>
+              <a:t>- Musikplayer</a:t>
+            </a:r>
+          </a:p>
+          <a:p>
+            <a:pPr marL="457200" indent="-457200">
+              <a:buFontTx/>
+              <a:buChar char="-"/>
+            </a:pPr>
+            <a:endParaRPr lang="de-AT" sz="2550" dirty="0"/>
+          </a:p>
+          <a:p>
+            <a:r>
+              <a:rPr lang="de-AT" sz="2550" dirty="0" smtClean="0"/>
+              <a:t>- Playlisten</a:t>
+            </a:r>
+          </a:p>
+        </p:txBody>
+      </p:sp>
+      <p:pic>
+        <p:nvPicPr>
+          <p:cNvPr id="6" name="Picture 3" descr="C:\Users\Andreas\Desktop\Github\2015_fiply\FIPLY\Dokumente\PräsentationBilder\assistant2.png"/>
+          <p:cNvPicPr>
+            <a:picLocks noChangeAspect="1" noChangeArrowheads="1"/>
+          </p:cNvPicPr>
+          <p:nvPr/>
+        </p:nvPicPr>
+        <p:blipFill>
+          <a:blip r:embed="rId3">
+            <a:extLst>
+              <a:ext uri="{28A0092B-C50C-407E-A947-70E740481C1C}">
+                <a14:useLocalDpi xmlns:a14="http://schemas.microsoft.com/office/drawing/2010/main" val="0"/>
+              </a:ext>
+            </a:extLst>
+          </a:blip>
+          <a:srcRect/>
+          <a:stretch>
+            <a:fillRect/>
+          </a:stretch>
+        </p:blipFill>
+        <p:spPr bwMode="auto">
+          <a:xfrm>
+            <a:off x="3291841" y="1532705"/>
+            <a:ext cx="2837360" cy="5030653"/>
+          </a:xfrm>
+          <a:prstGeom prst="rect">
+            <a:avLst/>
+          </a:prstGeom>
+          <a:noFill/>
+          <a:extLst>
+            <a:ext uri="{909E8E84-426E-40DD-AFC4-6F175D3DCCD1}">
+              <a14:hiddenFill xmlns:a14="http://schemas.microsoft.com/office/drawing/2010/main">
+                <a:solidFill>
+                  <a:srgbClr val="FFFFFF"/>
+                </a:solidFill>
+              </a14:hiddenFill>
+            </a:ext>
+          </a:extLst>
+        </p:spPr>
+      </p:pic>
+      <p:pic>
+        <p:nvPicPr>
+          <p:cNvPr id="5122" name="Picture 2" descr="C:\Users\Andreas\Desktop\Github\2015_fiply\FIPLY\Dokumente\PräsentationBilder\assistant4playlist.png"/>
+          <p:cNvPicPr>
+            <a:picLocks noChangeAspect="1" noChangeArrowheads="1"/>
+          </p:cNvPicPr>
+          <p:nvPr/>
+        </p:nvPicPr>
+        <p:blipFill>
+          <a:blip r:embed="rId4">
+            <a:extLst>
+              <a:ext uri="{28A0092B-C50C-407E-A947-70E740481C1C}">
+                <a14:useLocalDpi xmlns:a14="http://schemas.microsoft.com/office/drawing/2010/main" val="0"/>
+              </a:ext>
+            </a:extLst>
+          </a:blip>
+          <a:srcRect/>
+          <a:stretch>
+            <a:fillRect/>
+          </a:stretch>
+        </p:blipFill>
+        <p:spPr bwMode="auto">
+          <a:xfrm>
+            <a:off x="6230983" y="1532704"/>
+            <a:ext cx="2769326" cy="5030653"/>
+          </a:xfrm>
+          <a:prstGeom prst="rect">
+            <a:avLst/>
+          </a:prstGeom>
+          <a:noFill/>
+          <a:extLst>
+            <a:ext uri="{909E8E84-426E-40DD-AFC4-6F175D3DCCD1}">
+              <a14:hiddenFill xmlns:a14="http://schemas.microsoft.com/office/drawing/2010/main">
+                <a:solidFill>
+                  <a:srgbClr val="FFFFFF"/>
+                </a:solidFill>
+              </a14:hiddenFill>
+            </a:ext>
+          </a:extLst>
+        </p:spPr>
+      </p:pic>
+    </p:spTree>
+    <p:extLst>
+      <p:ext uri="{BB962C8B-B14F-4D97-AF65-F5344CB8AC3E}">
+        <p14:creationId xmlns:p14="http://schemas.microsoft.com/office/powerpoint/2010/main" val="4101400204"/>
+      </p:ext>
+    </p:extLst>
+  </p:cSld>
+  <p:clrMapOvr>
+    <a:masterClrMapping/>
+  </p:clrMapOvr>
+  <p:timing>
+    <p:tnLst>
+      <p:par>
+        <p:cTn id="1" dur="indefinite" restart="never" nodeType="tmRoot"/>
+      </p:par>
+    </p:tnLst>
+  </p:timing>
+</p:sld>
+</file>
+
+<file path=ppt/slides/slide12.xml><?xml version="1.0" encoding="utf-8"?>
+<p:sld xmlns:a="http://schemas.openxmlformats.org/drawingml/2006/main" xmlns:r="http://schemas.openxmlformats.org/officeDocument/2006/relationships" xmlns:p="http://schemas.openxmlformats.org/presentationml/2006/main" show="0">
+  <p:cSld>
+    <p:spTree>
+      <p:nvGrpSpPr>
+        <p:cNvPr id="1" name=""/>
+        <p:cNvGrpSpPr/>
+        <p:nvPr/>
+      </p:nvGrpSpPr>
+      <p:grpSpPr>
+        <a:xfrm>
+          <a:off x="0" y="0"/>
+          <a:ext cx="0" cy="0"/>
+          <a:chOff x="0" y="0"/>
+          <a:chExt cx="0" cy="0"/>
+        </a:xfrm>
+      </p:grpSpPr>
+      <p:sp>
+        <p:nvSpPr>
+          <p:cNvPr id="2" name="Inhaltsplatzhalter 1"/>
+          <p:cNvSpPr>
+            <a:spLocks noGrp="1"/>
+          </p:cNvSpPr>
+          <p:nvPr>
+            <p:ph idx="1"/>
+          </p:nvPr>
+        </p:nvSpPr>
+        <p:spPr/>
+        <p:txBody>
+          <a:bodyPr/>
+          <a:lstStyle/>
+          <a:p>
+            <a:pPr marL="45720" indent="0" fontAlgn="auto">
+              <a:spcAft>
+                <a:spcPts val="0"/>
+              </a:spcAft>
+              <a:buFont typeface="Wingdings 2" pitchFamily="18" charset="2"/>
+              <a:buNone/>
+              <a:defRPr/>
+            </a:pPr>
+            <a:endParaRPr lang="de-DE" dirty="0" smtClean="0">
+              <a:ea typeface="+mn-ea"/>
+              <a:cs typeface="+mn-cs"/>
+            </a:endParaRPr>
+          </a:p>
+          <a:p>
+            <a:pPr marL="274320" fontAlgn="auto">
+              <a:spcAft>
+                <a:spcPts val="0"/>
+              </a:spcAft>
+              <a:buFont typeface="Wingdings 2" pitchFamily="18" charset="2"/>
+              <a:buChar char=""/>
+              <a:defRPr/>
+            </a:pPr>
+            <a:r>
+              <a:rPr lang="de-DE" dirty="0" smtClean="0">
+                <a:ea typeface="+mn-ea"/>
+                <a:cs typeface="+mn-cs"/>
+              </a:rPr>
+              <a:t>Welche Plattform?</a:t>
+            </a:r>
+          </a:p>
+          <a:p>
+            <a:pPr marL="548640" lvl="1" indent="-182880" fontAlgn="auto">
+              <a:spcAft>
+                <a:spcPts val="0"/>
+              </a:spcAft>
+              <a:buFont typeface="Wingdings" pitchFamily="2" charset="2"/>
+              <a:buChar char="§"/>
+              <a:defRPr/>
+            </a:pPr>
+            <a:r>
+              <a:rPr lang="de-DE" dirty="0" err="1" smtClean="0">
+                <a:ea typeface="+mn-ea"/>
+              </a:rPr>
+              <a:t>Android</a:t>
+            </a:r>
+            <a:endParaRPr lang="de-DE" dirty="0">
+              <a:ea typeface="+mn-ea"/>
+            </a:endParaRPr>
+          </a:p>
+          <a:p>
+            <a:pPr marL="45720" indent="0" fontAlgn="auto">
+              <a:spcAft>
+                <a:spcPts val="0"/>
+              </a:spcAft>
+              <a:buFont typeface="Wingdings 2" pitchFamily="18" charset="2"/>
+              <a:buNone/>
+              <a:defRPr/>
+            </a:pPr>
+            <a:endParaRPr lang="de-DE" dirty="0" smtClean="0">
+              <a:ea typeface="+mn-ea"/>
+              <a:cs typeface="+mn-cs"/>
+            </a:endParaRPr>
+          </a:p>
+          <a:p>
+            <a:pPr marL="274320" fontAlgn="auto">
+              <a:spcAft>
+                <a:spcPts val="0"/>
+              </a:spcAft>
+              <a:buFont typeface="Wingdings 2" pitchFamily="18" charset="2"/>
+              <a:buChar char=""/>
+              <a:defRPr/>
+            </a:pPr>
+            <a:r>
+              <a:rPr lang="de-DE" dirty="0" smtClean="0">
+                <a:ea typeface="+mn-ea"/>
+                <a:cs typeface="+mn-cs"/>
+              </a:rPr>
+              <a:t>Herausforderungen</a:t>
+            </a:r>
+          </a:p>
+          <a:p>
+            <a:pPr marL="548640" lvl="1" indent="-182880" fontAlgn="auto">
+              <a:spcAft>
+                <a:spcPts val="0"/>
+              </a:spcAft>
+              <a:buFont typeface="Wingdings" pitchFamily="2" charset="2"/>
+              <a:buChar char="§"/>
+              <a:defRPr/>
+            </a:pPr>
+            <a:r>
+              <a:rPr lang="de-DE" dirty="0" smtClean="0">
+                <a:ea typeface="+mn-ea"/>
+              </a:rPr>
+              <a:t>Algorithmus zur Generierung</a:t>
+            </a:r>
+          </a:p>
+          <a:p>
+            <a:pPr marL="548640" lvl="1" indent="-182880" fontAlgn="auto">
+              <a:spcAft>
+                <a:spcPts val="0"/>
+              </a:spcAft>
+              <a:buFont typeface="Wingdings" pitchFamily="2" charset="2"/>
+              <a:buChar char="§"/>
+              <a:defRPr/>
+            </a:pPr>
+            <a:r>
+              <a:rPr lang="de-DE" dirty="0" smtClean="0">
+                <a:ea typeface="+mn-ea"/>
+              </a:rPr>
+              <a:t>Usermanagement &amp; </a:t>
+            </a:r>
+            <a:r>
+              <a:rPr lang="de-DE" dirty="0" smtClean="0">
+                <a:ea typeface="+mn-ea"/>
+              </a:rPr>
+              <a:t>Statistik</a:t>
+            </a:r>
+          </a:p>
+          <a:p>
+            <a:pPr marL="548640" lvl="1" indent="-182880" fontAlgn="auto">
+              <a:spcAft>
+                <a:spcPts val="0"/>
+              </a:spcAft>
+              <a:buFont typeface="Wingdings" pitchFamily="2" charset="2"/>
+              <a:buChar char="§"/>
+              <a:defRPr/>
+            </a:pPr>
+            <a:r>
+              <a:rPr lang="de-AT" dirty="0" smtClean="0">
+                <a:ea typeface="+mn-ea"/>
+              </a:rPr>
+              <a:t>Auffinden der Musikdateien</a:t>
+            </a:r>
+          </a:p>
+          <a:p>
+            <a:pPr marL="548640" lvl="1" indent="-182880" fontAlgn="auto">
+              <a:spcAft>
+                <a:spcPts val="0"/>
+              </a:spcAft>
+              <a:buFont typeface="Wingdings" pitchFamily="2" charset="2"/>
+              <a:buChar char="§"/>
+              <a:defRPr/>
+            </a:pPr>
+            <a:r>
+              <a:rPr lang="de-AT" dirty="0" smtClean="0">
+                <a:ea typeface="+mn-ea"/>
+              </a:rPr>
+              <a:t>Playlistfunktion</a:t>
+            </a:r>
+            <a:endParaRPr lang="de-DE" dirty="0" smtClean="0">
+              <a:ea typeface="+mn-ea"/>
+            </a:endParaRPr>
+          </a:p>
+          <a:p>
+            <a:pPr marL="548640" lvl="1" indent="-182880" fontAlgn="auto">
+              <a:spcAft>
+                <a:spcPts val="0"/>
+              </a:spcAft>
+              <a:buFont typeface="Wingdings" pitchFamily="2" charset="2"/>
+              <a:buChar char="§"/>
+              <a:defRPr/>
+            </a:pPr>
+            <a:endParaRPr lang="de-DE" dirty="0" smtClean="0">
+              <a:ea typeface="+mn-ea"/>
+            </a:endParaRPr>
+          </a:p>
+          <a:p>
+            <a:pPr marL="822960" lvl="2" indent="-182880" fontAlgn="auto">
+              <a:spcAft>
+                <a:spcPts val="0"/>
+              </a:spcAft>
+              <a:buClr>
+                <a:schemeClr val="accent3"/>
+              </a:buClr>
+              <a:buFont typeface="Wingdings" pitchFamily="2" charset="2"/>
+              <a:buChar char="§"/>
+              <a:defRPr/>
+            </a:pPr>
+            <a:endParaRPr lang="de-DE" dirty="0" smtClean="0">
+              <a:ea typeface="+mn-ea"/>
+            </a:endParaRPr>
+          </a:p>
+          <a:p>
+            <a:pPr marL="822960" lvl="2" indent="-182880" fontAlgn="auto">
+              <a:spcAft>
+                <a:spcPts val="0"/>
+              </a:spcAft>
+              <a:buClr>
+                <a:schemeClr val="accent3"/>
+              </a:buClr>
+              <a:buFont typeface="Wingdings" pitchFamily="2" charset="2"/>
+              <a:buChar char="§"/>
+              <a:defRPr/>
+            </a:pPr>
+            <a:endParaRPr lang="de-DE" dirty="0" smtClean="0">
+              <a:ea typeface="+mn-ea"/>
+            </a:endParaRPr>
+          </a:p>
+          <a:p>
+            <a:pPr marL="548640" lvl="1" indent="-182880" fontAlgn="auto">
+              <a:spcAft>
+                <a:spcPts val="0"/>
+              </a:spcAft>
+              <a:buFont typeface="Wingdings" pitchFamily="2" charset="2"/>
+              <a:buChar char="§"/>
+              <a:defRPr/>
+            </a:pPr>
+            <a:endParaRPr lang="de-DE" dirty="0" smtClean="0">
+              <a:ea typeface="+mn-ea"/>
+            </a:endParaRPr>
+          </a:p>
+          <a:p>
+            <a:pPr marL="365760" lvl="1" indent="0" fontAlgn="auto">
+              <a:spcAft>
+                <a:spcPts val="0"/>
+              </a:spcAft>
+              <a:buFont typeface="Wingdings" pitchFamily="2" charset="2"/>
+              <a:buNone/>
+              <a:defRPr/>
+            </a:pPr>
+            <a:endParaRPr lang="de-DE" dirty="0" smtClean="0">
+              <a:ea typeface="+mn-ea"/>
+            </a:endParaRPr>
+          </a:p>
+          <a:p>
+            <a:pPr marL="365760" lvl="1" indent="0" fontAlgn="auto">
+              <a:spcAft>
+                <a:spcPts val="0"/>
+              </a:spcAft>
+              <a:buFont typeface="Wingdings" pitchFamily="2" charset="2"/>
+              <a:buNone/>
+              <a:defRPr/>
+            </a:pPr>
+            <a:endParaRPr lang="de-DE" dirty="0">
+              <a:ea typeface="+mn-ea"/>
+            </a:endParaRPr>
+          </a:p>
+          <a:p>
+            <a:pPr marL="365760" lvl="1" indent="0" fontAlgn="auto">
+              <a:spcAft>
+                <a:spcPts val="0"/>
+              </a:spcAft>
+              <a:buFont typeface="Wingdings" pitchFamily="2" charset="2"/>
+              <a:buNone/>
+              <a:defRPr/>
+            </a:pPr>
+            <a:endParaRPr lang="de-DE" dirty="0" smtClean="0">
+              <a:ea typeface="+mn-ea"/>
+            </a:endParaRPr>
+          </a:p>
+          <a:p>
+            <a:pPr marL="274320" fontAlgn="auto">
+              <a:spcAft>
+                <a:spcPts val="0"/>
+              </a:spcAft>
+              <a:buFont typeface="Wingdings 2" pitchFamily="18" charset="2"/>
+              <a:buChar char=""/>
+              <a:defRPr/>
+            </a:pPr>
+            <a:endParaRPr lang="de-DE" dirty="0">
+              <a:ea typeface="+mn-ea"/>
+              <a:cs typeface="+mn-cs"/>
+            </a:endParaRPr>
+          </a:p>
+          <a:p>
+            <a:pPr marL="274320" fontAlgn="auto">
+              <a:spcAft>
+                <a:spcPts val="0"/>
+              </a:spcAft>
+              <a:buFont typeface="Wingdings 2" pitchFamily="18" charset="2"/>
+              <a:buChar char=""/>
+              <a:defRPr/>
+            </a:pPr>
+            <a:endParaRPr lang="de-DE" dirty="0">
+              <a:ea typeface="+mn-ea"/>
+              <a:cs typeface="+mn-cs"/>
+            </a:endParaRPr>
+          </a:p>
+        </p:txBody>
+      </p:sp>
+      <p:sp>
+        <p:nvSpPr>
+          <p:cNvPr id="3" name="Titel 2"/>
+          <p:cNvSpPr>
+            <a:spLocks noGrp="1"/>
+          </p:cNvSpPr>
+          <p:nvPr>
+            <p:ph type="title"/>
+          </p:nvPr>
+        </p:nvSpPr>
+        <p:spPr/>
+        <p:txBody>
+          <a:bodyPr/>
+          <a:lstStyle/>
+          <a:p>
+            <a:pPr fontAlgn="auto">
+              <a:spcAft>
+                <a:spcPts val="0"/>
+              </a:spcAft>
+              <a:defRPr/>
+            </a:pPr>
+            <a:r>
+              <a:rPr lang="de-DE" dirty="0" err="1" smtClean="0">
+                <a:solidFill>
+                  <a:srgbClr val="FF8429"/>
+                </a:solidFill>
+                <a:ea typeface="+mj-ea"/>
+                <a:cs typeface="+mj-cs"/>
+              </a:rPr>
+              <a:t>Fiply</a:t>
+            </a:r>
+            <a:r>
+              <a:rPr lang="de-DE" dirty="0" smtClean="0">
+                <a:solidFill>
+                  <a:srgbClr val="FF8429"/>
+                </a:solidFill>
+                <a:ea typeface="+mj-ea"/>
+                <a:cs typeface="+mj-cs"/>
+              </a:rPr>
+              <a:t>! Aber wie?</a:t>
+            </a:r>
+            <a:endParaRPr lang="de-DE" dirty="0">
+              <a:solidFill>
+                <a:srgbClr val="FF8429"/>
+              </a:solidFill>
+              <a:ea typeface="+mj-ea"/>
+              <a:cs typeface="+mj-cs"/>
+            </a:endParaRPr>
+          </a:p>
+        </p:txBody>
+      </p:sp>
+      <p:pic>
+        <p:nvPicPr>
+          <p:cNvPr id="11267" name="Bild 3" descr="GearSilhouette-800px.png"/>
+          <p:cNvPicPr>
+            <a:picLocks noChangeAspect="1"/>
+          </p:cNvPicPr>
+          <p:nvPr/>
+        </p:nvPicPr>
+        <p:blipFill>
+          <a:blip r:embed="rId2">
+            <a:extLst>
+              <a:ext uri="{28A0092B-C50C-407E-A947-70E740481C1C}">
+                <a14:useLocalDpi xmlns:a14="http://schemas.microsoft.com/office/drawing/2010/main" val="0"/>
+              </a:ext>
+            </a:extLst>
+          </a:blip>
+          <a:srcRect/>
+          <a:stretch>
+            <a:fillRect/>
+          </a:stretch>
+        </p:blipFill>
+        <p:spPr bwMode="auto">
+          <a:xfrm>
+            <a:off x="6611938" y="4233863"/>
+            <a:ext cx="3441700" cy="3440112"/>
+          </a:xfrm>
+          <a:prstGeom prst="rect">
+            <a:avLst/>
+          </a:prstGeom>
+          <a:noFill/>
+          <a:ln>
+            <a:noFill/>
+          </a:ln>
+          <a:extLst>
+            <a:ext uri="{909E8E84-426E-40DD-AFC4-6F175D3DCCD1}">
+              <a14:hiddenFill xmlns:a14="http://schemas.microsoft.com/office/drawing/2010/main">
+                <a:solidFill>
+                  <a:srgbClr val="FFFFFF"/>
+                </a:solidFill>
+              </a14:hiddenFill>
+            </a:ext>
+            <a:ext uri="{91240B29-F687-4F45-9708-019B960494DF}">
+              <a14:hiddenLine xmlns:a14="http://schemas.microsoft.com/office/drawing/2010/main" w="9525">
+                <a:solidFill>
+                  <a:srgbClr val="000000"/>
+                </a:solidFill>
+                <a:miter lim="800000"/>
+                <a:headEnd/>
+                <a:tailEnd/>
+              </a14:hiddenLine>
+            </a:ext>
+          </a:extLst>
+        </p:spPr>
+      </p:pic>
+    </p:spTree>
+  </p:cSld>
+  <p:clrMapOvr>
+    <a:masterClrMapping/>
+  </p:clrMapOvr>
+  <mc:AlternateContent xmlns:mc="http://schemas.openxmlformats.org/markup-compatibility/2006">
+    <mc:Choice xmlns:p14="http://schemas.microsoft.com/office/powerpoint/2010/main" Requires="p14">
+      <p:transition spd="slow" p14:dur="2000"/>
+    </mc:Choice>
+    <mc:Fallback>
+      <p:transition spd="slow"/>
+    </mc:Fallback>
+  </mc:AlternateContent>
+  <p:timing>
+    <p:tnLst>
+      <p:par>
+        <p:cTn id="1" dur="indefinite" restart="never" nodeType="tmRoot"/>
+      </p:par>
+    </p:tnLst>
+  </p:timing>
+</p:sld>
+</file>
+
+<file path=ppt/slides/slide13.xml><?xml version="1.0" encoding="utf-8"?>
 <p:sld xmlns:a="http://schemas.openxmlformats.org/drawingml/2006/main" xmlns:r="http://schemas.openxmlformats.org/officeDocument/2006/relationships" xmlns:p="http://schemas.openxmlformats.org/presentationml/2006/main">
   <p:cSld>
     <p:spTree>
@@ -7384,492 +8750,6 @@
               <a:buChar char=""/>
               <a:defRPr/>
             </a:pPr>
-            <a:r>
-              <a:rPr lang="de-DE" dirty="0" smtClean="0">
-                <a:ea typeface="+mn-ea"/>
-                <a:cs typeface="+mn-cs"/>
-              </a:rPr>
-              <a:t>SENKI!!</a:t>
-            </a:r>
-          </a:p>
-          <a:p>
-            <a:pPr marL="274320" fontAlgn="auto">
-              <a:spcAft>
-                <a:spcPts val="0"/>
-              </a:spcAft>
-              <a:buFont typeface="Wingdings 2" pitchFamily="18" charset="2"/>
-              <a:buChar char=""/>
-              <a:defRPr/>
-            </a:pPr>
-            <a:r>
-              <a:rPr lang="de-DE" dirty="0" smtClean="0">
-                <a:ea typeface="+mn-ea"/>
-                <a:cs typeface="+mn-cs"/>
-              </a:rPr>
-              <a:t>Hier </a:t>
-            </a:r>
-            <a:r>
-              <a:rPr lang="de-DE" dirty="0" err="1" smtClean="0">
-                <a:ea typeface="+mn-ea"/>
-                <a:cs typeface="+mn-cs"/>
-              </a:rPr>
-              <a:t>screenshot</a:t>
-            </a:r>
-            <a:r>
-              <a:rPr lang="de-DE" dirty="0" smtClean="0">
-                <a:ea typeface="+mn-ea"/>
-                <a:cs typeface="+mn-cs"/>
-              </a:rPr>
-              <a:t> von da </a:t>
-            </a:r>
-            <a:r>
-              <a:rPr lang="de-DE" dirty="0" err="1" smtClean="0">
-                <a:ea typeface="+mn-ea"/>
-                <a:cs typeface="+mn-cs"/>
-              </a:rPr>
-              <a:t>trainingssession</a:t>
-            </a:r>
-            <a:r>
-              <a:rPr lang="de-DE" dirty="0" smtClean="0">
-                <a:ea typeface="+mn-ea"/>
-                <a:cs typeface="+mn-cs"/>
-              </a:rPr>
-              <a:t>, </a:t>
-            </a:r>
-            <a:r>
-              <a:rPr lang="de-DE" dirty="0" err="1" smtClean="0">
-                <a:ea typeface="+mn-ea"/>
-                <a:cs typeface="+mn-cs"/>
-              </a:rPr>
-              <a:t>iwas</a:t>
-            </a:r>
-            <a:r>
-              <a:rPr lang="de-DE" dirty="0" smtClean="0">
-                <a:ea typeface="+mn-ea"/>
-                <a:cs typeface="+mn-cs"/>
-              </a:rPr>
-              <a:t> was gut aussieht und kurze </a:t>
-            </a:r>
-            <a:r>
-              <a:rPr lang="de-DE" dirty="0" err="1" smtClean="0">
-                <a:ea typeface="+mn-ea"/>
-                <a:cs typeface="+mn-cs"/>
-              </a:rPr>
-              <a:t>aufzählung</a:t>
-            </a:r>
-            <a:r>
-              <a:rPr lang="de-DE" dirty="0" smtClean="0">
-                <a:ea typeface="+mn-ea"/>
-                <a:cs typeface="+mn-cs"/>
-              </a:rPr>
-              <a:t> an was </a:t>
-            </a:r>
-            <a:r>
-              <a:rPr lang="de-DE" dirty="0" err="1" smtClean="0">
-                <a:ea typeface="+mn-ea"/>
-                <a:cs typeface="+mn-cs"/>
-              </a:rPr>
-              <a:t>ma</a:t>
-            </a:r>
-            <a:r>
-              <a:rPr lang="de-DE" dirty="0" smtClean="0">
-                <a:ea typeface="+mn-ea"/>
-                <a:cs typeface="+mn-cs"/>
-              </a:rPr>
-              <a:t> grade arbeiten!</a:t>
-            </a:r>
-          </a:p>
-          <a:p>
-            <a:pPr marL="274320" fontAlgn="auto">
-              <a:spcAft>
-                <a:spcPts val="0"/>
-              </a:spcAft>
-              <a:buFont typeface="Wingdings 2" pitchFamily="18" charset="2"/>
-              <a:buChar char=""/>
-              <a:defRPr/>
-            </a:pPr>
-            <a:r>
-              <a:rPr lang="de-DE" dirty="0" smtClean="0">
-                <a:ea typeface="+mn-ea"/>
-                <a:cs typeface="+mn-cs"/>
-              </a:rPr>
-              <a:t>Es wird mehr erzählt über die </a:t>
-            </a:r>
-            <a:r>
-              <a:rPr lang="de-DE" dirty="0" err="1" smtClean="0">
-                <a:ea typeface="+mn-ea"/>
-                <a:cs typeface="+mn-cs"/>
-              </a:rPr>
-              <a:t>diplomarbeit</a:t>
-            </a:r>
-            <a:r>
-              <a:rPr lang="de-DE" dirty="0" smtClean="0">
-                <a:ea typeface="+mn-ea"/>
-                <a:cs typeface="+mn-cs"/>
-              </a:rPr>
-              <a:t> als erklärt!!</a:t>
-            </a:r>
-          </a:p>
-          <a:p>
-            <a:pPr marL="274320" fontAlgn="auto">
-              <a:spcAft>
-                <a:spcPts val="0"/>
-              </a:spcAft>
-              <a:buFont typeface="Wingdings 2" pitchFamily="18" charset="2"/>
-              <a:buChar char=""/>
-              <a:defRPr/>
-            </a:pPr>
-            <a:r>
-              <a:rPr lang="de-DE" dirty="0" smtClean="0">
-                <a:ea typeface="+mn-ea"/>
-                <a:cs typeface="+mn-cs"/>
-              </a:rPr>
-              <a:t>Morgen </a:t>
-            </a:r>
-            <a:r>
-              <a:rPr lang="de-DE" dirty="0" err="1" smtClean="0">
-                <a:ea typeface="+mn-ea"/>
-                <a:cs typeface="+mn-cs"/>
-              </a:rPr>
-              <a:t>machnma</a:t>
-            </a:r>
-            <a:r>
-              <a:rPr lang="de-DE" dirty="0" smtClean="0">
-                <a:ea typeface="+mn-ea"/>
-                <a:cs typeface="+mn-cs"/>
-              </a:rPr>
-              <a:t> a </a:t>
-            </a:r>
-            <a:r>
-              <a:rPr lang="de-DE" dirty="0" err="1" smtClean="0">
-                <a:ea typeface="+mn-ea"/>
-                <a:cs typeface="+mn-cs"/>
-              </a:rPr>
-              <a:t>präs</a:t>
-            </a:r>
-            <a:r>
-              <a:rPr lang="de-DE" dirty="0" smtClean="0">
-                <a:ea typeface="+mn-ea"/>
-                <a:cs typeface="+mn-cs"/>
-              </a:rPr>
-              <a:t> probe und </a:t>
-            </a:r>
-            <a:r>
-              <a:rPr lang="de-DE" dirty="0" err="1" smtClean="0">
-                <a:ea typeface="+mn-ea"/>
-                <a:cs typeface="+mn-cs"/>
-              </a:rPr>
-              <a:t>besprechns</a:t>
-            </a:r>
-            <a:r>
-              <a:rPr lang="de-DE" dirty="0" smtClean="0">
-                <a:ea typeface="+mn-ea"/>
-                <a:cs typeface="+mn-cs"/>
-              </a:rPr>
-              <a:t>!!</a:t>
-            </a:r>
-            <a:endParaRPr lang="de-DE" dirty="0">
-              <a:ea typeface="+mn-ea"/>
-              <a:cs typeface="+mn-cs"/>
-            </a:endParaRPr>
-          </a:p>
-        </p:txBody>
-      </p:sp>
-      <p:sp>
-        <p:nvSpPr>
-          <p:cNvPr id="3" name="Titel 2"/>
-          <p:cNvSpPr>
-            <a:spLocks noGrp="1"/>
-          </p:cNvSpPr>
-          <p:nvPr>
-            <p:ph type="title"/>
-          </p:nvPr>
-        </p:nvSpPr>
-        <p:spPr/>
-        <p:txBody>
-          <a:bodyPr/>
-          <a:lstStyle/>
-          <a:p>
-            <a:pPr fontAlgn="auto">
-              <a:spcAft>
-                <a:spcPts val="0"/>
-              </a:spcAft>
-              <a:defRPr/>
-            </a:pPr>
-            <a:r>
-              <a:rPr lang="de-DE" dirty="0" smtClean="0">
-                <a:solidFill>
-                  <a:srgbClr val="FF8429"/>
-                </a:solidFill>
-                <a:ea typeface="+mj-ea"/>
-                <a:cs typeface="+mj-cs"/>
-              </a:rPr>
-              <a:t>WORK IN PROGRESS</a:t>
-            </a:r>
-            <a:endParaRPr lang="de-DE" dirty="0">
-              <a:solidFill>
-                <a:srgbClr val="FF8429"/>
-              </a:solidFill>
-              <a:ea typeface="+mj-ea"/>
-              <a:cs typeface="+mj-cs"/>
-            </a:endParaRPr>
-          </a:p>
-        </p:txBody>
-      </p:sp>
-    </p:spTree>
-  </p:cSld>
-  <p:clrMapOvr>
-    <a:masterClrMapping/>
-  </p:clrMapOvr>
-  <p:timing>
-    <p:tnLst>
-      <p:par>
-        <p:cTn xmlns:p14="http://schemas.microsoft.com/office/powerpoint/2010/main" id="1" dur="indefinite" restart="never" nodeType="tmRoot"/>
-      </p:par>
-    </p:tnLst>
-  </p:timing>
-</p:sld>
-</file>
-
-<file path=ppt/slides/slide11.xml><?xml version="1.0" encoding="utf-8"?>
-<p:sld xmlns:a="http://schemas.openxmlformats.org/drawingml/2006/main" xmlns:r="http://schemas.openxmlformats.org/officeDocument/2006/relationships" xmlns:p="http://schemas.openxmlformats.org/presentationml/2006/main">
-  <p:cSld>
-    <p:spTree>
-      <p:nvGrpSpPr>
-        <p:cNvPr id="1" name=""/>
-        <p:cNvGrpSpPr/>
-        <p:nvPr/>
-      </p:nvGrpSpPr>
-      <p:grpSpPr>
-        <a:xfrm>
-          <a:off x="0" y="0"/>
-          <a:ext cx="0" cy="0"/>
-          <a:chOff x="0" y="0"/>
-          <a:chExt cx="0" cy="0"/>
-        </a:xfrm>
-      </p:grpSpPr>
-      <p:sp>
-        <p:nvSpPr>
-          <p:cNvPr id="2" name="Inhaltsplatzhalter 1"/>
-          <p:cNvSpPr>
-            <a:spLocks noGrp="1"/>
-          </p:cNvSpPr>
-          <p:nvPr>
-            <p:ph idx="1"/>
-          </p:nvPr>
-        </p:nvSpPr>
-        <p:spPr/>
-        <p:txBody>
-          <a:bodyPr/>
-          <a:lstStyle/>
-          <a:p>
-            <a:pPr marL="274320" fontAlgn="auto">
-              <a:spcAft>
-                <a:spcPts val="0"/>
-              </a:spcAft>
-              <a:buFont typeface="Wingdings 2" pitchFamily="18" charset="2"/>
-              <a:buChar char=""/>
-              <a:defRPr/>
-            </a:pPr>
-            <a:r>
-              <a:rPr lang="de-DE" dirty="0" smtClean="0">
-                <a:ea typeface="+mn-ea"/>
-                <a:cs typeface="+mn-cs"/>
-              </a:rPr>
-              <a:t>Wie hier genau </a:t>
-            </a:r>
-            <a:r>
-              <a:rPr lang="de-DE" dirty="0" err="1" smtClean="0">
-                <a:ea typeface="+mn-ea"/>
-                <a:cs typeface="+mn-cs"/>
-              </a:rPr>
-              <a:t>senki</a:t>
-            </a:r>
-            <a:r>
-              <a:rPr lang="de-DE" dirty="0" smtClean="0">
-                <a:ea typeface="+mn-ea"/>
-                <a:cs typeface="+mn-cs"/>
-              </a:rPr>
-              <a:t>?</a:t>
-            </a:r>
-          </a:p>
-          <a:p>
-            <a:pPr marL="274320" fontAlgn="auto">
-              <a:spcAft>
-                <a:spcPts val="0"/>
-              </a:spcAft>
-              <a:buFont typeface="Wingdings 2" pitchFamily="18" charset="2"/>
-              <a:buChar char=""/>
-              <a:defRPr/>
-            </a:pPr>
-            <a:r>
-              <a:rPr lang="de-DE" dirty="0" smtClean="0">
-                <a:ea typeface="+mn-ea"/>
-                <a:cs typeface="+mn-cs"/>
-              </a:rPr>
-              <a:t>Sonstige </a:t>
-            </a:r>
-            <a:r>
-              <a:rPr lang="de-DE" dirty="0" err="1" smtClean="0">
-                <a:ea typeface="+mn-ea"/>
-                <a:cs typeface="+mn-cs"/>
-              </a:rPr>
-              <a:t>ideen</a:t>
-            </a:r>
-            <a:r>
-              <a:rPr lang="de-DE" dirty="0" smtClean="0">
-                <a:ea typeface="+mn-ea"/>
-                <a:cs typeface="+mn-cs"/>
-              </a:rPr>
-              <a:t> zu </a:t>
-            </a:r>
-            <a:r>
-              <a:rPr lang="de-DE" dirty="0" err="1" smtClean="0">
-                <a:ea typeface="+mn-ea"/>
-                <a:cs typeface="+mn-cs"/>
-              </a:rPr>
-              <a:t>folien</a:t>
-            </a:r>
-            <a:r>
-              <a:rPr lang="de-DE" dirty="0" smtClean="0">
-                <a:ea typeface="+mn-ea"/>
-                <a:cs typeface="+mn-cs"/>
-              </a:rPr>
-              <a:t>?</a:t>
-            </a:r>
-          </a:p>
-          <a:p>
-            <a:pPr marL="274320" fontAlgn="auto">
-              <a:spcAft>
-                <a:spcPts val="0"/>
-              </a:spcAft>
-              <a:buFont typeface="Wingdings 2" pitchFamily="18" charset="2"/>
-              <a:buChar char=""/>
-              <a:defRPr/>
-            </a:pPr>
-            <a:endParaRPr lang="de-DE" dirty="0">
-              <a:ea typeface="+mn-ea"/>
-              <a:cs typeface="+mn-cs"/>
-            </a:endParaRPr>
-          </a:p>
-        </p:txBody>
-      </p:sp>
-      <p:sp>
-        <p:nvSpPr>
-          <p:cNvPr id="3" name="Titel 2"/>
-          <p:cNvSpPr>
-            <a:spLocks noGrp="1"/>
-          </p:cNvSpPr>
-          <p:nvPr>
-            <p:ph type="title"/>
-          </p:nvPr>
-        </p:nvSpPr>
-        <p:spPr/>
-        <p:txBody>
-          <a:bodyPr/>
-          <a:lstStyle/>
-          <a:p>
-            <a:pPr fontAlgn="auto">
-              <a:spcAft>
-                <a:spcPts val="0"/>
-              </a:spcAft>
-              <a:defRPr/>
-            </a:pPr>
-            <a:r>
-              <a:rPr lang="de-DE" dirty="0" smtClean="0">
-                <a:solidFill>
-                  <a:srgbClr val="FF8429"/>
-                </a:solidFill>
-                <a:ea typeface="+mj-ea"/>
-                <a:cs typeface="+mj-cs"/>
-              </a:rPr>
-              <a:t>wer steckt hinter </a:t>
-            </a:r>
-            <a:r>
-              <a:rPr lang="de-DE" dirty="0" err="1" smtClean="0">
-                <a:solidFill>
-                  <a:srgbClr val="FF8429"/>
-                </a:solidFill>
-                <a:ea typeface="+mj-ea"/>
-                <a:cs typeface="+mj-cs"/>
-              </a:rPr>
-              <a:t>fiply</a:t>
-            </a:r>
-            <a:r>
-              <a:rPr lang="de-DE" dirty="0" smtClean="0">
-                <a:solidFill>
-                  <a:srgbClr val="FF8429"/>
-                </a:solidFill>
-                <a:ea typeface="+mj-ea"/>
-                <a:cs typeface="+mj-cs"/>
-              </a:rPr>
-              <a:t>?</a:t>
-            </a:r>
-            <a:endParaRPr lang="de-DE" dirty="0">
-              <a:solidFill>
-                <a:srgbClr val="FF8429"/>
-              </a:solidFill>
-              <a:ea typeface="+mj-ea"/>
-              <a:cs typeface="+mj-cs"/>
-            </a:endParaRPr>
-          </a:p>
-        </p:txBody>
-      </p:sp>
-    </p:spTree>
-  </p:cSld>
-  <p:clrMapOvr>
-    <a:masterClrMapping/>
-  </p:clrMapOvr>
-  <p:timing>
-    <p:tnLst>
-      <p:par>
-        <p:cTn xmlns:p14="http://schemas.microsoft.com/office/powerpoint/2010/main" id="1" dur="indefinite" restart="never" nodeType="tmRoot"/>
-      </p:par>
-    </p:tnLst>
-  </p:timing>
-</p:sld>
-</file>
-
-<file path=ppt/slides/slide12.xml><?xml version="1.0" encoding="utf-8"?>
-<p:sld xmlns:a="http://schemas.openxmlformats.org/drawingml/2006/main" xmlns:r="http://schemas.openxmlformats.org/officeDocument/2006/relationships" xmlns:p="http://schemas.openxmlformats.org/presentationml/2006/main">
-  <p:cSld>
-    <p:spTree>
-      <p:nvGrpSpPr>
-        <p:cNvPr id="1" name=""/>
-        <p:cNvGrpSpPr/>
-        <p:nvPr/>
-      </p:nvGrpSpPr>
-      <p:grpSpPr>
-        <a:xfrm>
-          <a:off x="0" y="0"/>
-          <a:ext cx="0" cy="0"/>
-          <a:chOff x="0" y="0"/>
-          <a:chExt cx="0" cy="0"/>
-        </a:xfrm>
-      </p:grpSpPr>
-      <p:sp>
-        <p:nvSpPr>
-          <p:cNvPr id="2" name="Inhaltsplatzhalter 1"/>
-          <p:cNvSpPr>
-            <a:spLocks noGrp="1"/>
-          </p:cNvSpPr>
-          <p:nvPr>
-            <p:ph idx="1"/>
-          </p:nvPr>
-        </p:nvSpPr>
-        <p:spPr/>
-        <p:txBody>
-          <a:bodyPr/>
-          <a:lstStyle/>
-          <a:p>
-            <a:pPr marL="274320" fontAlgn="auto">
-              <a:spcAft>
-                <a:spcPts val="0"/>
-              </a:spcAft>
-              <a:buFont typeface="Wingdings 2" pitchFamily="18" charset="2"/>
-              <a:buChar char=""/>
-              <a:defRPr/>
-            </a:pPr>
             <a:endParaRPr lang="de-DE" dirty="0">
               <a:ea typeface="+mn-ea"/>
               <a:cs typeface="+mn-cs"/>
@@ -7941,8 +8821,8 @@
         </p:blipFill>
         <p:spPr bwMode="auto">
           <a:xfrm>
-            <a:off x="381000" y="2097088"/>
-            <a:ext cx="2446338" cy="2444750"/>
+            <a:off x="0" y="1726611"/>
+            <a:ext cx="2936966" cy="2935060"/>
           </a:xfrm>
           <a:prstGeom prst="rect">
             <a:avLst/>
@@ -7952,14 +8832,14 @@
             <a:noFill/>
           </a:ln>
           <a:extLst>
-            <a:ext uri="{909E8E84-426E-40dd-AFC4-6F175D3DCCD1}">
+            <a:ext uri="{909E8E84-426E-40DD-AFC4-6F175D3DCCD1}">
               <a14:hiddenFill xmlns:a14="http://schemas.microsoft.com/office/drawing/2010/main">
                 <a:solidFill>
                   <a:srgbClr val="FFFFFF"/>
                 </a:solidFill>
               </a14:hiddenFill>
             </a:ext>
-            <a:ext uri="{91240B29-F687-4f45-9708-019B960494DF}">
+            <a:ext uri="{91240B29-F687-4F45-9708-019B960494DF}">
               <a14:hiddenLine xmlns:a14="http://schemas.microsoft.com/office/drawing/2010/main" w="9525">
                 <a:solidFill>
                   <a:srgbClr val="000000"/>
@@ -7995,7 +8875,7 @@
         </p:blipFill>
         <p:spPr bwMode="auto">
           <a:xfrm>
-            <a:off x="5480050" y="2292350"/>
+            <a:off x="381000" y="4854779"/>
             <a:ext cx="2763838" cy="1535113"/>
           </a:xfrm>
           <a:prstGeom prst="rect">
@@ -8006,14 +8886,14 @@
             <a:noFill/>
           </a:ln>
           <a:extLst>
-            <a:ext uri="{909E8E84-426E-40dd-AFC4-6F175D3DCCD1}">
+            <a:ext uri="{909E8E84-426E-40DD-AFC4-6F175D3DCCD1}">
               <a14:hiddenFill xmlns:a14="http://schemas.microsoft.com/office/drawing/2010/main">
                 <a:solidFill>
                   <a:srgbClr val="FFFFFF"/>
                 </a:solidFill>
               </a14:hiddenFill>
             </a:ext>
-            <a:ext uri="{91240B29-F687-4f45-9708-019B960494DF}">
+            <a:ext uri="{91240B29-F687-4F45-9708-019B960494DF}">
               <a14:hiddenLine xmlns:a14="http://schemas.microsoft.com/office/drawing/2010/main" w="9525">
                 <a:solidFill>
                   <a:srgbClr val="000000"/>
@@ -8049,8 +8929,8 @@
         </p:blipFill>
         <p:spPr bwMode="auto">
           <a:xfrm>
-            <a:off x="2362200" y="4210050"/>
-            <a:ext cx="4406900" cy="1778000"/>
+            <a:off x="3788229" y="4500688"/>
+            <a:ext cx="5000171" cy="2017360"/>
           </a:xfrm>
           <a:prstGeom prst="rect">
             <a:avLst/>
@@ -8060,14 +8940,14 @@
             <a:noFill/>
           </a:ln>
           <a:extLst>
-            <a:ext uri="{909E8E84-426E-40dd-AFC4-6F175D3DCCD1}">
+            <a:ext uri="{909E8E84-426E-40DD-AFC4-6F175D3DCCD1}">
               <a14:hiddenFill xmlns:a14="http://schemas.microsoft.com/office/drawing/2010/main">
                 <a:solidFill>
                   <a:srgbClr val="FFFFFF"/>
                 </a:solidFill>
               </a14:hiddenFill>
             </a:ext>
-            <a:ext uri="{91240B29-F687-4f45-9708-019B960494DF}">
+            <a:ext uri="{91240B29-F687-4F45-9708-019B960494DF}">
               <a14:hiddenLine xmlns:a14="http://schemas.microsoft.com/office/drawing/2010/main" w="9525">
                 <a:solidFill>
                   <a:srgbClr val="000000"/>
@@ -8080,15 +8960,63 @@
           </a:extLst>
         </p:spPr>
       </p:pic>
+      <p:pic>
+        <p:nvPicPr>
+          <p:cNvPr id="2050" name="Picture 2" descr="C:\Users\Andreas\Desktop\Github\2015_fiply\FIPLY\Dokumente\PräsentationBilder\GitHub-Logo.png"/>
+          <p:cNvPicPr>
+            <a:picLocks noChangeAspect="1" noChangeArrowheads="1"/>
+          </p:cNvPicPr>
+          <p:nvPr/>
+        </p:nvPicPr>
+        <p:blipFill>
+          <a:blip r:embed="rId5">
+            <a:extLst>
+              <a:ext uri="{28A0092B-C50C-407E-A947-70E740481C1C}">
+                <a14:useLocalDpi xmlns:a14="http://schemas.microsoft.com/office/drawing/2010/main" val="0"/>
+              </a:ext>
+            </a:extLst>
+          </a:blip>
+          <a:srcRect/>
+          <a:stretch>
+            <a:fillRect/>
+          </a:stretch>
+        </p:blipFill>
+        <p:spPr bwMode="auto">
+          <a:xfrm>
+            <a:off x="3349704" y="2216687"/>
+            <a:ext cx="5184117" cy="1354350"/>
+          </a:xfrm>
+          <a:prstGeom prst="rect">
+            <a:avLst/>
+          </a:prstGeom>
+          <a:noFill/>
+          <a:extLst>
+            <a:ext uri="{909E8E84-426E-40DD-AFC4-6F175D3DCCD1}">
+              <a14:hiddenFill xmlns:a14="http://schemas.microsoft.com/office/drawing/2010/main">
+                <a:solidFill>
+                  <a:srgbClr val="FFFFFF"/>
+                </a:solidFill>
+              </a14:hiddenFill>
+            </a:ext>
+          </a:extLst>
+        </p:spPr>
+      </p:pic>
     </p:spTree>
   </p:cSld>
   <p:clrMapOvr>
     <a:masterClrMapping/>
   </p:clrMapOvr>
+  <p:timing>
+    <p:tnLst>
+      <p:par>
+        <p:cTn id="1" dur="indefinite" restart="never" nodeType="tmRoot"/>
+      </p:par>
+    </p:tnLst>
+  </p:timing>
 </p:sld>
 </file>
 
-<file path=ppt/slides/slide13.xml><?xml version="1.0" encoding="utf-8"?>
+<file path=ppt/slides/slide14.xml><?xml version="1.0" encoding="utf-8"?>
 <p:sld xmlns:a="http://schemas.openxmlformats.org/drawingml/2006/main" xmlns:r="http://schemas.openxmlformats.org/officeDocument/2006/relationships" xmlns:p="http://schemas.openxmlformats.org/presentationml/2006/main">
   <p:cSld>
     <p:spTree>
@@ -8167,14 +9095,14 @@
             <a:noFill/>
           </a:ln>
           <a:extLst>
-            <a:ext uri="{909E8E84-426E-40dd-AFC4-6F175D3DCCD1}">
+            <a:ext uri="{909E8E84-426E-40DD-AFC4-6F175D3DCCD1}">
               <a14:hiddenFill xmlns:a14="http://schemas.microsoft.com/office/drawing/2010/main">
                 <a:solidFill>
                   <a:srgbClr val="FFFFFF"/>
                 </a:solidFill>
               </a14:hiddenFill>
             </a:ext>
-            <a:ext uri="{91240B29-F687-4f45-9708-019B960494DF}">
+            <a:ext uri="{91240B29-F687-4F45-9708-019B960494DF}">
               <a14:hiddenLine xmlns:a14="http://schemas.microsoft.com/office/drawing/2010/main" w="9525">
                 <a:solidFill>
                   <a:srgbClr val="000000"/>
@@ -8335,14 +9263,14 @@
             <a:noFill/>
           </a:ln>
           <a:extLst>
-            <a:ext uri="{909E8E84-426E-40dd-AFC4-6F175D3DCCD1}">
+            <a:ext uri="{909E8E84-426E-40DD-AFC4-6F175D3DCCD1}">
               <a14:hiddenFill xmlns:a14="http://schemas.microsoft.com/office/drawing/2010/main">
                 <a:solidFill>
                   <a:srgbClr val="FFFFFF"/>
                 </a:solidFill>
               </a14:hiddenFill>
             </a:ext>
-            <a:ext uri="{91240B29-F687-4f45-9708-019B960494DF}">
+            <a:ext uri="{91240B29-F687-4F45-9708-019B960494DF}">
               <a14:hiddenLine xmlns:a14="http://schemas.microsoft.com/office/drawing/2010/main" w="9525">
                 <a:solidFill>
                   <a:srgbClr val="000000"/>
@@ -8469,7 +9397,7 @@
           <a:p>
             <a:pPr algn="ctr"/>
             <a:r>
-              <a:rPr lang="de-DE" sz="4800"/>
+              <a:rPr lang="de-DE" sz="4800" dirty="0"/>
               <a:t>HTL Leonding</a:t>
             </a:r>
           </a:p>
@@ -8480,6 +9408,13 @@
   <p:clrMapOvr>
     <a:masterClrMapping/>
   </p:clrMapOvr>
+  <p:timing>
+    <p:tnLst>
+      <p:par>
+        <p:cTn id="1" dur="indefinite" restart="never" nodeType="tmRoot"/>
+      </p:par>
+    </p:tnLst>
+  </p:timing>
 </p:sld>
 </file>
 
@@ -8568,7 +9503,7 @@
   <p:timing>
     <p:tnLst>
       <p:par>
-        <p:cTn xmlns:p14="http://schemas.microsoft.com/office/powerpoint/2010/main" id="1" dur="indefinite" restart="never" nodeType="tmRoot"/>
+        <p:cTn id="1" dur="indefinite" restart="never" nodeType="tmRoot"/>
       </p:par>
     </p:tnLst>
   </p:timing>
@@ -8710,7 +9645,7 @@
   <p:timing>
     <p:tnLst>
       <p:par>
-        <p:cTn xmlns:p14="http://schemas.microsoft.com/office/powerpoint/2010/main" id="1" dur="indefinite" restart="never" nodeType="tmRoot"/>
+        <p:cTn id="1" dur="indefinite" restart="never" nodeType="tmRoot"/>
       </p:par>
     </p:tnLst>
   </p:timing>
@@ -8883,7 +9818,7 @@
   <p:timing>
     <p:tnLst>
       <p:par>
-        <p:cTn xmlns:p14="http://schemas.microsoft.com/office/powerpoint/2010/main" id="1" dur="indefinite" restart="never" nodeType="tmRoot"/>
+        <p:cTn id="1" dur="indefinite" restart="never" nodeType="tmRoot"/>
       </p:par>
     </p:tnLst>
   </p:timing>
@@ -9056,7 +9991,7 @@
   <p:timing>
     <p:tnLst>
       <p:par>
-        <p:cTn xmlns:p14="http://schemas.microsoft.com/office/powerpoint/2010/main" id="1" dur="indefinite" restart="never" nodeType="tmRoot"/>
+        <p:cTn id="1" dur="indefinite" restart="never" nodeType="tmRoot"/>
       </p:par>
     </p:tnLst>
   </p:timing>
@@ -9255,14 +10190,14 @@
             <a:noFill/>
           </a:ln>
           <a:extLst>
-            <a:ext uri="{909E8E84-426E-40dd-AFC4-6F175D3DCCD1}">
+            <a:ext uri="{909E8E84-426E-40DD-AFC4-6F175D3DCCD1}">
               <a14:hiddenFill xmlns:a14="http://schemas.microsoft.com/office/drawing/2010/main">
                 <a:solidFill>
                   <a:srgbClr val="FFFFFF"/>
                 </a:solidFill>
               </a14:hiddenFill>
             </a:ext>
-            <a:ext uri="{91240B29-F687-4f45-9708-019B960494DF}">
+            <a:ext uri="{91240B29-F687-4F45-9708-019B960494DF}">
               <a14:hiddenLine xmlns:a14="http://schemas.microsoft.com/office/drawing/2010/main" w="9525">
                 <a:solidFill>
                   <a:srgbClr val="000000"/>
@@ -9283,7 +10218,7 @@
   <p:timing>
     <p:tnLst>
       <p:par>
-        <p:cTn xmlns:p14="http://schemas.microsoft.com/office/powerpoint/2010/main" id="1" dur="indefinite" restart="never" nodeType="tmRoot"/>
+        <p:cTn id="1" dur="indefinite" restart="never" nodeType="tmRoot"/>
       </p:par>
     </p:tnLst>
   </p:timing>
@@ -9377,21 +10312,7 @@
                 <a:ea typeface="+mn-ea"/>
                 <a:cs typeface="+mn-cs"/>
               </a:rPr>
-              <a:t>P</a:t>
-            </a:r>
-            <a:r>
-              <a:rPr lang="de-DE" dirty="0" smtClean="0">
-                <a:ea typeface="+mn-ea"/>
-                <a:cs typeface="+mn-cs"/>
-              </a:rPr>
-              <a:t>ersonalisierter </a:t>
-            </a:r>
-            <a:r>
-              <a:rPr lang="de-DE" dirty="0" smtClean="0">
-                <a:ea typeface="+mn-ea"/>
-                <a:cs typeface="+mn-cs"/>
-              </a:rPr>
-              <a:t>Fitnessplans</a:t>
+              <a:t>Personalisierter Fitnessplans</a:t>
             </a:r>
           </a:p>
           <a:p>
@@ -9471,10 +10392,6 @@
               </a:rPr>
               <a:t> Abwechslungsreiches Training</a:t>
             </a:r>
-            <a:endParaRPr lang="de-DE" dirty="0" smtClean="0">
-              <a:ea typeface="+mn-ea"/>
-              <a:cs typeface="+mn-cs"/>
-            </a:endParaRPr>
           </a:p>
           <a:p>
             <a:pPr marL="274320" fontAlgn="auto">
@@ -9506,10 +10423,6 @@
               </a:rPr>
               <a:t> Integrierter Trainingsassistent</a:t>
             </a:r>
-            <a:endParaRPr lang="de-DE" dirty="0" smtClean="0">
-              <a:ea typeface="+mn-ea"/>
-              <a:cs typeface="+mn-cs"/>
-            </a:endParaRPr>
           </a:p>
           <a:p>
             <a:pPr marL="274320" fontAlgn="auto">
@@ -9663,14 +10576,14 @@
             <a:noFill/>
           </a:ln>
           <a:extLst>
-            <a:ext uri="{909E8E84-426E-40dd-AFC4-6F175D3DCCD1}">
+            <a:ext uri="{909E8E84-426E-40DD-AFC4-6F175D3DCCD1}">
               <a14:hiddenFill xmlns:a14="http://schemas.microsoft.com/office/drawing/2010/main">
                 <a:solidFill>
                   <a:srgbClr val="FFFFFF"/>
                 </a:solidFill>
               </a14:hiddenFill>
             </a:ext>
-            <a:ext uri="{91240B29-F687-4f45-9708-019B960494DF}">
+            <a:ext uri="{91240B29-F687-4F45-9708-019B960494DF}">
               <a14:hiddenLine xmlns:a14="http://schemas.microsoft.com/office/drawing/2010/main" w="9525">
                 <a:solidFill>
                   <a:srgbClr val="000000"/>
@@ -9691,7 +10604,7 @@
   <p:timing>
     <p:tnLst>
       <p:par>
-        <p:cTn xmlns:p14="http://schemas.microsoft.com/office/powerpoint/2010/main" id="1" dur="indefinite" restart="never" nodeType="tmRoot"/>
+        <p:cTn id="1" dur="indefinite" restart="never" nodeType="tmRoot"/>
       </p:par>
     </p:tnLst>
   </p:timing>
@@ -9730,7 +10643,7 @@
           <a:bodyPr/>
           <a:lstStyle/>
           <a:p>
-            <a:endParaRPr lang="de-DE"/>
+            <a:endParaRPr lang="de-DE" dirty="0"/>
           </a:p>
         </p:txBody>
       </p:sp>
@@ -9749,367 +10662,19 @@
           <a:bodyPr/>
           <a:lstStyle/>
           <a:p>
-            <a:endParaRPr lang="de-DE"/>
-          </a:p>
-        </p:txBody>
-      </p:sp>
-    </p:spTree>
-    <p:extLst>
-      <p:ext uri="{BB962C8B-B14F-4D97-AF65-F5344CB8AC3E}">
-        <p14:creationId xmlns:p14="http://schemas.microsoft.com/office/powerpoint/2010/main" val="264711199"/>
-      </p:ext>
-    </p:extLst>
-  </p:cSld>
-  <p:clrMapOvr>
-    <a:masterClrMapping/>
-  </p:clrMapOvr>
-  <p:timing>
-    <p:tnLst>
-      <p:par>
-        <p:cTn xmlns:p14="http://schemas.microsoft.com/office/powerpoint/2010/main" id="1" dur="indefinite" restart="never" nodeType="tmRoot"/>
-      </p:par>
-    </p:tnLst>
-  </p:timing>
-</p:sld>
-</file>
-
-<file path=ppt/slides/slide9.xml><?xml version="1.0" encoding="utf-8"?>
-<p:sld xmlns:a="http://schemas.openxmlformats.org/drawingml/2006/main" xmlns:r="http://schemas.openxmlformats.org/officeDocument/2006/relationships" xmlns:p="http://schemas.openxmlformats.org/presentationml/2006/main">
-  <p:cSld>
-    <p:spTree>
-      <p:nvGrpSpPr>
-        <p:cNvPr id="1" name=""/>
-        <p:cNvGrpSpPr/>
-        <p:nvPr/>
-      </p:nvGrpSpPr>
-      <p:grpSpPr>
-        <a:xfrm>
-          <a:off x="0" y="0"/>
-          <a:ext cx="0" cy="0"/>
-          <a:chOff x="0" y="0"/>
-          <a:chExt cx="0" cy="0"/>
-        </a:xfrm>
-      </p:grpSpPr>
-      <p:sp>
-        <p:nvSpPr>
-          <p:cNvPr id="2" name="Inhaltsplatzhalter 1"/>
-          <p:cNvSpPr>
-            <a:spLocks noGrp="1"/>
-          </p:cNvSpPr>
-          <p:nvPr>
-            <p:ph idx="1"/>
-          </p:nvPr>
-        </p:nvSpPr>
-        <p:spPr/>
-        <p:txBody>
-          <a:bodyPr/>
-          <a:lstStyle/>
-          <a:p>
-            <a:pPr marL="45720" indent="0" fontAlgn="auto">
-              <a:spcAft>
-                <a:spcPts val="0"/>
-              </a:spcAft>
-              <a:buFont typeface="Wingdings 2" pitchFamily="18" charset="2"/>
-              <a:buNone/>
-              <a:defRPr/>
-            </a:pPr>
-            <a:endParaRPr lang="de-DE" dirty="0" smtClean="0">
-              <a:ea typeface="+mn-ea"/>
-              <a:cs typeface="+mn-cs"/>
-            </a:endParaRPr>
-          </a:p>
-          <a:p>
-            <a:pPr marL="274320" fontAlgn="auto">
-              <a:spcAft>
-                <a:spcPts val="0"/>
-              </a:spcAft>
-              <a:buFont typeface="Wingdings 2" pitchFamily="18" charset="2"/>
-              <a:buChar char=""/>
-              <a:defRPr/>
-            </a:pPr>
             <a:r>
-              <a:rPr lang="de-DE" dirty="0" smtClean="0">
-                <a:ea typeface="+mn-ea"/>
-                <a:cs typeface="+mn-cs"/>
-              </a:rPr>
-              <a:t>Welche Plattform?</a:t>
+              <a:rPr lang="de-AT" dirty="0" smtClean="0"/>
+              <a:t>Übungskatalog</a:t>
             </a:r>
-          </a:p>
-          <a:p>
-            <a:pPr marL="548640" lvl="1" indent="-182880" fontAlgn="auto">
-              <a:spcAft>
-                <a:spcPts val="0"/>
-              </a:spcAft>
-              <a:buFont typeface="Wingdings" pitchFamily="2" charset="2"/>
-              <a:buChar char="§"/>
-              <a:defRPr/>
-            </a:pPr>
-            <a:r>
-              <a:rPr lang="de-DE" dirty="0" err="1" smtClean="0">
-                <a:ea typeface="+mn-ea"/>
-              </a:rPr>
-              <a:t>Android</a:t>
-            </a:r>
-            <a:endParaRPr lang="de-DE" dirty="0">
-              <a:ea typeface="+mn-ea"/>
-            </a:endParaRPr>
-          </a:p>
-          <a:p>
-            <a:pPr marL="45720" indent="0" fontAlgn="auto">
-              <a:spcAft>
-                <a:spcPts val="0"/>
-              </a:spcAft>
-              <a:buFont typeface="Wingdings 2" pitchFamily="18" charset="2"/>
-              <a:buNone/>
-              <a:defRPr/>
-            </a:pPr>
-            <a:endParaRPr lang="de-DE" dirty="0" smtClean="0">
-              <a:ea typeface="+mn-ea"/>
-              <a:cs typeface="+mn-cs"/>
-            </a:endParaRPr>
-          </a:p>
-          <a:p>
-            <a:pPr marL="274320" fontAlgn="auto">
-              <a:spcAft>
-                <a:spcPts val="0"/>
-              </a:spcAft>
-              <a:buFont typeface="Wingdings 2" pitchFamily="18" charset="2"/>
-              <a:buChar char=""/>
-              <a:defRPr/>
-            </a:pPr>
-            <a:r>
-              <a:rPr lang="de-DE" dirty="0" smtClean="0">
-                <a:ea typeface="+mn-ea"/>
-                <a:cs typeface="+mn-cs"/>
-              </a:rPr>
-              <a:t>Herausforderungen</a:t>
-            </a:r>
-            <a:endParaRPr lang="de-DE" dirty="0" smtClean="0">
-              <a:ea typeface="+mn-ea"/>
-              <a:cs typeface="+mn-cs"/>
-            </a:endParaRPr>
-          </a:p>
-          <a:p>
-            <a:pPr marL="548640" lvl="1" indent="-182880" fontAlgn="auto">
-              <a:spcAft>
-                <a:spcPts val="0"/>
-              </a:spcAft>
-              <a:buFont typeface="Wingdings" pitchFamily="2" charset="2"/>
-              <a:buChar char="§"/>
-              <a:defRPr/>
-            </a:pPr>
-            <a:r>
-              <a:rPr lang="de-DE" dirty="0" smtClean="0">
-                <a:ea typeface="+mn-ea"/>
-              </a:rPr>
-              <a:t>Algorithmus zur Generierung</a:t>
-            </a:r>
-          </a:p>
-          <a:p>
-            <a:pPr marL="548640" lvl="1" indent="-182880" fontAlgn="auto">
-              <a:spcAft>
-                <a:spcPts val="0"/>
-              </a:spcAft>
-              <a:buFont typeface="Wingdings" pitchFamily="2" charset="2"/>
-              <a:buChar char="§"/>
-              <a:defRPr/>
-            </a:pPr>
-            <a:r>
-              <a:rPr lang="de-DE" dirty="0" smtClean="0">
-                <a:ea typeface="+mn-ea"/>
-              </a:rPr>
-              <a:t>Usermanagement </a:t>
-            </a:r>
-            <a:r>
-              <a:rPr lang="de-DE" dirty="0" smtClean="0">
-                <a:ea typeface="+mn-ea"/>
-              </a:rPr>
-              <a:t>&amp; Statistik</a:t>
-            </a:r>
-          </a:p>
-          <a:p>
-            <a:pPr marL="548640" lvl="1" indent="-182880" fontAlgn="auto">
-              <a:spcAft>
-                <a:spcPts val="0"/>
-              </a:spcAft>
-              <a:buFont typeface="Wingdings" pitchFamily="2" charset="2"/>
-              <a:buChar char="§"/>
-              <a:defRPr/>
-            </a:pPr>
-            <a:endParaRPr lang="de-DE" dirty="0" smtClean="0">
-              <a:ea typeface="+mn-ea"/>
-            </a:endParaRPr>
-          </a:p>
-          <a:p>
-            <a:pPr marL="822960" lvl="2" indent="-182880" fontAlgn="auto">
-              <a:spcAft>
-                <a:spcPts val="0"/>
-              </a:spcAft>
-              <a:buClr>
-                <a:schemeClr val="accent3"/>
-              </a:buClr>
-              <a:buFont typeface="Wingdings" pitchFamily="2" charset="2"/>
-              <a:buChar char="§"/>
-              <a:defRPr/>
-            </a:pPr>
-            <a:endParaRPr lang="de-DE" dirty="0" smtClean="0">
-              <a:ea typeface="+mn-ea"/>
-            </a:endParaRPr>
-          </a:p>
-          <a:p>
-            <a:pPr marL="822960" lvl="2" indent="-182880" fontAlgn="auto">
-              <a:spcAft>
-                <a:spcPts val="0"/>
-              </a:spcAft>
-              <a:buClr>
-                <a:schemeClr val="accent3"/>
-              </a:buClr>
-              <a:buFont typeface="Wingdings" pitchFamily="2" charset="2"/>
-              <a:buChar char="§"/>
-              <a:defRPr/>
-            </a:pPr>
-            <a:endParaRPr lang="de-DE" dirty="0" smtClean="0">
-              <a:ea typeface="+mn-ea"/>
-            </a:endParaRPr>
-          </a:p>
-          <a:p>
-            <a:pPr marL="548640" lvl="1" indent="-182880" fontAlgn="auto">
-              <a:spcAft>
-                <a:spcPts val="0"/>
-              </a:spcAft>
-              <a:buFont typeface="Wingdings" pitchFamily="2" charset="2"/>
-              <a:buChar char="§"/>
-              <a:defRPr/>
-            </a:pPr>
-            <a:endParaRPr lang="de-DE" dirty="0" smtClean="0">
-              <a:ea typeface="+mn-ea"/>
-            </a:endParaRPr>
-          </a:p>
-          <a:p>
-            <a:pPr marL="365760" lvl="1" indent="0" fontAlgn="auto">
-              <a:spcAft>
-                <a:spcPts val="0"/>
-              </a:spcAft>
-              <a:buFont typeface="Wingdings" pitchFamily="2" charset="2"/>
-              <a:buNone/>
-              <a:defRPr/>
-            </a:pPr>
-            <a:endParaRPr lang="de-DE" dirty="0" smtClean="0">
-              <a:ea typeface="+mn-ea"/>
-            </a:endParaRPr>
-          </a:p>
-          <a:p>
-            <a:pPr marL="365760" lvl="1" indent="0" fontAlgn="auto">
-              <a:spcAft>
-                <a:spcPts val="0"/>
-              </a:spcAft>
-              <a:buFont typeface="Wingdings" pitchFamily="2" charset="2"/>
-              <a:buNone/>
-              <a:defRPr/>
-            </a:pPr>
-            <a:endParaRPr lang="de-DE" dirty="0">
-              <a:ea typeface="+mn-ea"/>
-            </a:endParaRPr>
-          </a:p>
-          <a:p>
-            <a:pPr marL="365760" lvl="1" indent="0" fontAlgn="auto">
-              <a:spcAft>
-                <a:spcPts val="0"/>
-              </a:spcAft>
-              <a:buFont typeface="Wingdings" pitchFamily="2" charset="2"/>
-              <a:buNone/>
-              <a:defRPr/>
-            </a:pPr>
-            <a:endParaRPr lang="de-DE" dirty="0" smtClean="0">
-              <a:ea typeface="+mn-ea"/>
-            </a:endParaRPr>
-          </a:p>
-          <a:p>
-            <a:pPr marL="274320" fontAlgn="auto">
-              <a:spcAft>
-                <a:spcPts val="0"/>
-              </a:spcAft>
-              <a:buFont typeface="Wingdings 2" pitchFamily="18" charset="2"/>
-              <a:buChar char=""/>
-              <a:defRPr/>
-            </a:pPr>
-            <a:endParaRPr lang="de-DE" dirty="0">
-              <a:ea typeface="+mn-ea"/>
-              <a:cs typeface="+mn-cs"/>
-            </a:endParaRPr>
-          </a:p>
-          <a:p>
-            <a:pPr marL="274320" fontAlgn="auto">
-              <a:spcAft>
-                <a:spcPts val="0"/>
-              </a:spcAft>
-              <a:buFont typeface="Wingdings 2" pitchFamily="18" charset="2"/>
-              <a:buChar char=""/>
-              <a:defRPr/>
-            </a:pPr>
-            <a:endParaRPr lang="de-DE" dirty="0">
-              <a:ea typeface="+mn-ea"/>
-              <a:cs typeface="+mn-cs"/>
-            </a:endParaRPr>
-          </a:p>
-        </p:txBody>
-      </p:sp>
-      <p:sp>
-        <p:nvSpPr>
-          <p:cNvPr id="3" name="Titel 2"/>
-          <p:cNvSpPr>
-            <a:spLocks noGrp="1"/>
-          </p:cNvSpPr>
-          <p:nvPr>
-            <p:ph type="title"/>
-          </p:nvPr>
-        </p:nvSpPr>
-        <p:spPr/>
-        <p:txBody>
-          <a:bodyPr/>
-          <a:lstStyle/>
-          <a:p>
-            <a:pPr fontAlgn="auto">
-              <a:spcAft>
-                <a:spcPts val="0"/>
-              </a:spcAft>
-              <a:defRPr/>
-            </a:pPr>
-            <a:r>
-              <a:rPr lang="de-DE" dirty="0" err="1" smtClean="0">
-                <a:solidFill>
-                  <a:srgbClr val="FF8429"/>
-                </a:solidFill>
-                <a:ea typeface="+mj-ea"/>
-                <a:cs typeface="+mj-cs"/>
-              </a:rPr>
-              <a:t>Fiply</a:t>
-            </a:r>
-            <a:r>
-              <a:rPr lang="de-DE" dirty="0" smtClean="0">
-                <a:solidFill>
-                  <a:srgbClr val="FF8429"/>
-                </a:solidFill>
-                <a:ea typeface="+mj-ea"/>
-                <a:cs typeface="+mj-cs"/>
-              </a:rPr>
-              <a:t>! Aber wie?</a:t>
-            </a:r>
-            <a:endParaRPr lang="de-DE" dirty="0">
-              <a:solidFill>
-                <a:srgbClr val="FF8429"/>
-              </a:solidFill>
-              <a:ea typeface="+mj-ea"/>
-              <a:cs typeface="+mj-cs"/>
-            </a:endParaRPr>
+            <a:endParaRPr lang="de-DE" dirty="0"/>
           </a:p>
         </p:txBody>
       </p:sp>
       <p:pic>
         <p:nvPicPr>
-          <p:cNvPr id="11267" name="Bild 3" descr="GearSilhouette-800px.png"/>
+          <p:cNvPr id="1026" name="Picture 2" descr="C:\Users\Andreas\Desktop\Github\2015_fiply\FIPLY\Dokumente\PräsentationBilder\uebungskatalog.png"/>
           <p:cNvPicPr>
-            <a:picLocks noChangeAspect="1"/>
+            <a:picLocks noChangeAspect="1" noChangeArrowheads="1"/>
           </p:cNvPicPr>
           <p:nvPr/>
         </p:nvPicPr>
@@ -10128,38 +10693,71 @@
         </p:blipFill>
         <p:spPr bwMode="auto">
           <a:xfrm>
-            <a:off x="6611938" y="4233863"/>
-            <a:ext cx="3441700" cy="3440112"/>
+            <a:off x="287384" y="1802016"/>
+            <a:ext cx="2637054" cy="4688095"/>
           </a:xfrm>
           <a:prstGeom prst="rect">
             <a:avLst/>
           </a:prstGeom>
           <a:noFill/>
-          <a:ln>
-            <a:noFill/>
-          </a:ln>
           <a:extLst>
-            <a:ext uri="{909E8E84-426E-40dd-AFC4-6F175D3DCCD1}">
+            <a:ext uri="{909E8E84-426E-40DD-AFC4-6F175D3DCCD1}">
               <a14:hiddenFill xmlns:a14="http://schemas.microsoft.com/office/drawing/2010/main">
                 <a:solidFill>
                   <a:srgbClr val="FFFFFF"/>
                 </a:solidFill>
               </a14:hiddenFill>
             </a:ext>
-            <a:ext uri="{91240B29-F687-4f45-9708-019B960494DF}">
-              <a14:hiddenLine xmlns:a14="http://schemas.microsoft.com/office/drawing/2010/main" w="9525">
+          </a:extLst>
+        </p:spPr>
+      </p:pic>
+      <p:pic>
+        <p:nvPicPr>
+          <p:cNvPr id="1027" name="Picture 3" descr="C:\Users\Andreas\Desktop\Github\2015_fiply\FIPLY\Dokumente\PräsentationBilder\liegestuetze.png"/>
+          <p:cNvPicPr>
+            <a:picLocks noChangeAspect="1" noChangeArrowheads="1"/>
+          </p:cNvPicPr>
+          <p:nvPr/>
+        </p:nvPicPr>
+        <p:blipFill>
+          <a:blip r:embed="rId3">
+            <a:extLst>
+              <a:ext uri="{28A0092B-C50C-407E-A947-70E740481C1C}">
+                <a14:useLocalDpi xmlns:a14="http://schemas.microsoft.com/office/drawing/2010/main" val="0"/>
+              </a:ext>
+            </a:extLst>
+          </a:blip>
+          <a:srcRect/>
+          <a:stretch>
+            <a:fillRect/>
+          </a:stretch>
+        </p:blipFill>
+        <p:spPr bwMode="auto">
+          <a:xfrm>
+            <a:off x="3028941" y="1802015"/>
+            <a:ext cx="2637054" cy="4688096"/>
+          </a:xfrm>
+          <a:prstGeom prst="rect">
+            <a:avLst/>
+          </a:prstGeom>
+          <a:noFill/>
+          <a:extLst>
+            <a:ext uri="{909E8E84-426E-40DD-AFC4-6F175D3DCCD1}">
+              <a14:hiddenFill xmlns:a14="http://schemas.microsoft.com/office/drawing/2010/main">
                 <a:solidFill>
-                  <a:srgbClr val="000000"/>
+                  <a:srgbClr val="FFFFFF"/>
                 </a:solidFill>
-                <a:miter lim="800000"/>
-                <a:headEnd/>
-                <a:tailEnd/>
-              </a14:hiddenLine>
+              </a14:hiddenFill>
             </a:ext>
           </a:extLst>
         </p:spPr>
       </p:pic>
     </p:spTree>
+    <p:extLst>
+      <p:ext uri="{BB962C8B-B14F-4D97-AF65-F5344CB8AC3E}">
+        <p14:creationId xmlns:p14="http://schemas.microsoft.com/office/powerpoint/2010/main" val="264711199"/>
+      </p:ext>
+    </p:extLst>
   </p:cSld>
   <p:clrMapOvr>
     <a:masterClrMapping/>
@@ -10167,7 +10765,198 @@
   <p:timing>
     <p:tnLst>
       <p:par>
-        <p:cTn xmlns:p14="http://schemas.microsoft.com/office/powerpoint/2010/main" id="1" dur="indefinite" restart="never" nodeType="tmRoot"/>
+        <p:cTn id="1" dur="indefinite" restart="never" nodeType="tmRoot"/>
+      </p:par>
+    </p:tnLst>
+  </p:timing>
+</p:sld>
+</file>
+
+<file path=ppt/slides/slide9.xml><?xml version="1.0" encoding="utf-8"?>
+<p:sld xmlns:a="http://schemas.openxmlformats.org/drawingml/2006/main" xmlns:r="http://schemas.openxmlformats.org/officeDocument/2006/relationships" xmlns:p="http://schemas.openxmlformats.org/presentationml/2006/main" show="0">
+  <p:cSld>
+    <p:spTree>
+      <p:nvGrpSpPr>
+        <p:cNvPr id="1" name=""/>
+        <p:cNvGrpSpPr/>
+        <p:nvPr/>
+      </p:nvGrpSpPr>
+      <p:grpSpPr>
+        <a:xfrm>
+          <a:off x="0" y="0"/>
+          <a:ext cx="0" cy="0"/>
+          <a:chOff x="0" y="0"/>
+          <a:chExt cx="0" cy="0"/>
+        </a:xfrm>
+      </p:grpSpPr>
+      <p:sp>
+        <p:nvSpPr>
+          <p:cNvPr id="3" name="Titel 2"/>
+          <p:cNvSpPr>
+            <a:spLocks noGrp="1"/>
+          </p:cNvSpPr>
+          <p:nvPr>
+            <p:ph type="title"/>
+          </p:nvPr>
+        </p:nvSpPr>
+        <p:spPr/>
+        <p:txBody>
+          <a:bodyPr/>
+          <a:lstStyle/>
+          <a:p>
+            <a:r>
+              <a:rPr lang="de-AT" dirty="0" err="1" smtClean="0"/>
+              <a:t>tRAININGSASSISTENT</a:t>
+            </a:r>
+            <a:endParaRPr lang="de-DE" dirty="0"/>
+          </a:p>
+        </p:txBody>
+      </p:sp>
+      <p:pic>
+        <p:nvPicPr>
+          <p:cNvPr id="3074" name="Picture 2" descr="C:\Users\Andreas\Desktop\Github\2015_fiply\FIPLY\Dokumente\PräsentationBilder\assistant1.png"/>
+          <p:cNvPicPr>
+            <a:picLocks noChangeAspect="1" noChangeArrowheads="1"/>
+          </p:cNvPicPr>
+          <p:nvPr/>
+        </p:nvPicPr>
+        <p:blipFill>
+          <a:blip r:embed="rId2">
+            <a:extLst>
+              <a:ext uri="{28A0092B-C50C-407E-A947-70E740481C1C}">
+                <a14:useLocalDpi xmlns:a14="http://schemas.microsoft.com/office/drawing/2010/main" val="0"/>
+              </a:ext>
+            </a:extLst>
+          </a:blip>
+          <a:srcRect/>
+          <a:stretch>
+            <a:fillRect/>
+          </a:stretch>
+        </p:blipFill>
+        <p:spPr bwMode="auto">
+          <a:xfrm>
+            <a:off x="122504" y="1526901"/>
+            <a:ext cx="2829743" cy="5030655"/>
+          </a:xfrm>
+          <a:prstGeom prst="rect">
+            <a:avLst/>
+          </a:prstGeom>
+          <a:noFill/>
+          <a:extLst>
+            <a:ext uri="{909E8E84-426E-40DD-AFC4-6F175D3DCCD1}">
+              <a14:hiddenFill xmlns:a14="http://schemas.microsoft.com/office/drawing/2010/main">
+                <a:solidFill>
+                  <a:srgbClr val="FFFFFF"/>
+                </a:solidFill>
+              </a14:hiddenFill>
+            </a:ext>
+          </a:extLst>
+        </p:spPr>
+      </p:pic>
+      <p:pic>
+        <p:nvPicPr>
+          <p:cNvPr id="3075" name="Picture 3" descr="C:\Users\Andreas\Desktop\Github\2015_fiply\FIPLY\Dokumente\PräsentationBilder\assistant2.png"/>
+          <p:cNvPicPr>
+            <a:picLocks noChangeAspect="1" noChangeArrowheads="1"/>
+          </p:cNvPicPr>
+          <p:nvPr/>
+        </p:nvPicPr>
+        <p:blipFill>
+          <a:blip r:embed="rId3">
+            <a:extLst>
+              <a:ext uri="{28A0092B-C50C-407E-A947-70E740481C1C}">
+                <a14:useLocalDpi xmlns:a14="http://schemas.microsoft.com/office/drawing/2010/main" val="0"/>
+              </a:ext>
+            </a:extLst>
+          </a:blip>
+          <a:srcRect/>
+          <a:stretch>
+            <a:fillRect/>
+          </a:stretch>
+        </p:blipFill>
+        <p:spPr bwMode="auto">
+          <a:xfrm>
+            <a:off x="3095897" y="1526903"/>
+            <a:ext cx="2934243" cy="5030653"/>
+          </a:xfrm>
+          <a:prstGeom prst="rect">
+            <a:avLst/>
+          </a:prstGeom>
+          <a:noFill/>
+          <a:extLst>
+            <a:ext uri="{909E8E84-426E-40DD-AFC4-6F175D3DCCD1}">
+              <a14:hiddenFill xmlns:a14="http://schemas.microsoft.com/office/drawing/2010/main">
+                <a:solidFill>
+                  <a:srgbClr val="FFFFFF"/>
+                </a:solidFill>
+              </a14:hiddenFill>
+            </a:ext>
+          </a:extLst>
+        </p:spPr>
+      </p:pic>
+      <p:pic>
+        <p:nvPicPr>
+          <p:cNvPr id="3076" name="Picture 4" descr="C:\Users\Andreas\Desktop\Github\2015_fiply\FIPLY\Dokumente\PräsentationBilder\assistant3.png"/>
+          <p:cNvPicPr>
+            <a:picLocks noChangeAspect="1" noChangeArrowheads="1"/>
+          </p:cNvPicPr>
+          <p:nvPr/>
+        </p:nvPicPr>
+        <p:blipFill>
+          <a:blip r:embed="rId4">
+            <a:extLst>
+              <a:ext uri="{28A0092B-C50C-407E-A947-70E740481C1C}">
+                <a14:useLocalDpi xmlns:a14="http://schemas.microsoft.com/office/drawing/2010/main" val="0"/>
+              </a:ext>
+            </a:extLst>
+          </a:blip>
+          <a:srcRect/>
+          <a:stretch>
+            <a:fillRect/>
+          </a:stretch>
+        </p:blipFill>
+        <p:spPr bwMode="auto">
+          <a:xfrm>
+            <a:off x="6165668" y="1526901"/>
+            <a:ext cx="2829742" cy="5030653"/>
+          </a:xfrm>
+          <a:prstGeom prst="rect">
+            <a:avLst/>
+          </a:prstGeom>
+          <a:noFill/>
+          <a:extLst>
+            <a:ext uri="{909E8E84-426E-40DD-AFC4-6F175D3DCCD1}">
+              <a14:hiddenFill xmlns:a14="http://schemas.microsoft.com/office/drawing/2010/main">
+                <a:solidFill>
+                  <a:srgbClr val="FFFFFF"/>
+                </a:solidFill>
+              </a14:hiddenFill>
+            </a:ext>
+          </a:extLst>
+        </p:spPr>
+      </p:pic>
+    </p:spTree>
+    <p:extLst>
+      <p:ext uri="{BB962C8B-B14F-4D97-AF65-F5344CB8AC3E}">
+        <p14:creationId xmlns:p14="http://schemas.microsoft.com/office/powerpoint/2010/main" val="2504116266"/>
+      </p:ext>
+    </p:extLst>
+  </p:cSld>
+  <p:clrMapOvr>
+    <a:masterClrMapping/>
+  </p:clrMapOvr>
+  <mc:AlternateContent xmlns:mc="http://schemas.openxmlformats.org/markup-compatibility/2006">
+    <mc:Choice xmlns:p14="http://schemas.microsoft.com/office/powerpoint/2010/main" Requires="p14">
+      <p:transition spd="slow" p14:dur="2000"/>
+    </mc:Choice>
+    <mc:Fallback>
+      <p:transition spd="slow"/>
+    </mc:Fallback>
+  </mc:AlternateContent>
+  <p:timing>
+    <p:tnLst>
+      <p:par>
+        <p:cTn id="1" dur="indefinite" restart="never" nodeType="tmRoot"/>
       </p:par>
     </p:tnLst>
   </p:timing>
@@ -10408,6 +11197,291 @@
 </a:theme>
 </file>
 
+<file path=ppt/theme/theme2.xml><?xml version="1.0" encoding="utf-8"?>
+<a:theme xmlns:a="http://schemas.openxmlformats.org/drawingml/2006/main" name="Larissa">
+  <a:themeElements>
+    <a:clrScheme name="Larissa">
+      <a:dk1>
+        <a:sysClr val="windowText" lastClr="000000"/>
+      </a:dk1>
+      <a:lt1>
+        <a:sysClr val="window" lastClr="FFFFFF"/>
+      </a:lt1>
+      <a:dk2>
+        <a:srgbClr val="1F497D"/>
+      </a:dk2>
+      <a:lt2>
+        <a:srgbClr val="EEECE1"/>
+      </a:lt2>
+      <a:accent1>
+        <a:srgbClr val="4F81BD"/>
+      </a:accent1>
+      <a:accent2>
+        <a:srgbClr val="C0504D"/>
+      </a:accent2>
+      <a:accent3>
+        <a:srgbClr val="9BBB59"/>
+      </a:accent3>
+      <a:accent4>
+        <a:srgbClr val="8064A2"/>
+      </a:accent4>
+      <a:accent5>
+        <a:srgbClr val="4BACC6"/>
+      </a:accent5>
+      <a:accent6>
+        <a:srgbClr val="F79646"/>
+      </a:accent6>
+      <a:hlink>
+        <a:srgbClr val="0000FF"/>
+      </a:hlink>
+      <a:folHlink>
+        <a:srgbClr val="800080"/>
+      </a:folHlink>
+    </a:clrScheme>
+    <a:fontScheme name="Larissa">
+      <a:majorFont>
+        <a:latin typeface="Calibri"/>
+        <a:ea typeface=""/>
+        <a:cs typeface=""/>
+        <a:font script="Jpan" typeface="ＭＳ Ｐゴシック"/>
+        <a:font script="Hang" typeface="맑은 고딕"/>
+        <a:font script="Hans" typeface="宋体"/>
+        <a:font script="Hant" typeface="新細明體"/>
+        <a:font script="Arab" typeface="Times New Roman"/>
+        <a:font script="Hebr" typeface="Times New Roman"/>
+        <a:font script="Thai" typeface="Angsana New"/>
+        <a:font script="Ethi" typeface="Nyala"/>
+        <a:font script="Beng" typeface="Vrinda"/>
+        <a:font script="Gujr" typeface="Shruti"/>
+        <a:font script="Khmr" typeface="MoolBoran"/>
+        <a:font script="Knda" typeface="Tunga"/>
+        <a:font script="Guru" typeface="Raavi"/>
+        <a:font script="Cans" typeface="Euphemia"/>
+        <a:font script="Cher" typeface="Plantagenet Cherokee"/>
+        <a:font script="Yiii" typeface="Microsoft Yi Baiti"/>
+        <a:font script="Tibt" typeface="Microsoft Himalaya"/>
+        <a:font script="Thaa" typeface="MV Boli"/>
+        <a:font script="Deva" typeface="Mangal"/>
+        <a:font script="Telu" typeface="Gautami"/>
+        <a:font script="Taml" typeface="Latha"/>
+        <a:font script="Syrc" typeface="Estrangelo Edessa"/>
+        <a:font script="Orya" typeface="Kalinga"/>
+        <a:font script="Mlym" typeface="Kartika"/>
+        <a:font script="Laoo" typeface="DokChampa"/>
+        <a:font script="Sinh" typeface="Iskoola Pota"/>
+        <a:font script="Mong" typeface="Mongolian Baiti"/>
+        <a:font script="Viet" typeface="Times New Roman"/>
+        <a:font script="Uigh" typeface="Microsoft Uighur"/>
+        <a:font script="Geor" typeface="Sylfaen"/>
+      </a:majorFont>
+      <a:minorFont>
+        <a:latin typeface="Calibri"/>
+        <a:ea typeface=""/>
+        <a:cs typeface=""/>
+        <a:font script="Jpan" typeface="ＭＳ Ｐゴシック"/>
+        <a:font script="Hang" typeface="맑은 고딕"/>
+        <a:font script="Hans" typeface="宋体"/>
+        <a:font script="Hant" typeface="新細明體"/>
+        <a:font script="Arab" typeface="Arial"/>
+        <a:font script="Hebr" typeface="Arial"/>
+        <a:font script="Thai" typeface="Cordia New"/>
+        <a:font script="Ethi" typeface="Nyala"/>
+        <a:font script="Beng" typeface="Vrinda"/>
+        <a:font script="Gujr" typeface="Shruti"/>
+        <a:font script="Khmr" typeface="DaunPenh"/>
+        <a:font script="Knda" typeface="Tunga"/>
+        <a:font script="Guru" typeface="Raavi"/>
+        <a:font script="Cans" typeface="Euphemia"/>
+        <a:font script="Cher" typeface="Plantagenet Cherokee"/>
+        <a:font script="Yiii" typeface="Microsoft Yi Baiti"/>
+        <a:font script="Tibt" typeface="Microsoft Himalaya"/>
+        <a:font script="Thaa" typeface="MV Boli"/>
+        <a:font script="Deva" typeface="Mangal"/>
+        <a:font script="Telu" typeface="Gautami"/>
+        <a:font script="Taml" typeface="Latha"/>
+        <a:font script="Syrc" typeface="Estrangelo Edessa"/>
+        <a:font script="Orya" typeface="Kalinga"/>
+        <a:font script="Mlym" typeface="Kartika"/>
+        <a:font script="Laoo" typeface="DokChampa"/>
+        <a:font script="Sinh" typeface="Iskoola Pota"/>
+        <a:font script="Mong" typeface="Mongolian Baiti"/>
+        <a:font script="Viet" typeface="Arial"/>
+        <a:font script="Uigh" typeface="Microsoft Uighur"/>
+        <a:font script="Geor" typeface="Sylfaen"/>
+      </a:minorFont>
+    </a:fontScheme>
+    <a:fmtScheme name="Larissa">
+      <a:fillStyleLst>
+        <a:solidFill>
+          <a:schemeClr val="phClr"/>
+        </a:solidFill>
+        <a:gradFill rotWithShape="1">
+          <a:gsLst>
+            <a:gs pos="0">
+              <a:schemeClr val="phClr">
+                <a:tint val="50000"/>
+                <a:satMod val="300000"/>
+              </a:schemeClr>
+            </a:gs>
+            <a:gs pos="35000">
+              <a:schemeClr val="phClr">
+                <a:tint val="37000"/>
+                <a:satMod val="300000"/>
+              </a:schemeClr>
+            </a:gs>
+            <a:gs pos="100000">
+              <a:schemeClr val="phClr">
+                <a:tint val="15000"/>
+                <a:satMod val="350000"/>
+              </a:schemeClr>
+            </a:gs>
+          </a:gsLst>
+          <a:lin ang="16200000" scaled="1"/>
+        </a:gradFill>
+        <a:gradFill rotWithShape="1">
+          <a:gsLst>
+            <a:gs pos="0">
+              <a:schemeClr val="phClr">
+                <a:shade val="51000"/>
+                <a:satMod val="130000"/>
+              </a:schemeClr>
+            </a:gs>
+            <a:gs pos="80000">
+              <a:schemeClr val="phClr">
+                <a:shade val="93000"/>
+                <a:satMod val="130000"/>
+              </a:schemeClr>
+            </a:gs>
+            <a:gs pos="100000">
+              <a:schemeClr val="phClr">
+                <a:shade val="94000"/>
+                <a:satMod val="135000"/>
+              </a:schemeClr>
+            </a:gs>
+          </a:gsLst>
+          <a:lin ang="16200000" scaled="0"/>
+        </a:gradFill>
+      </a:fillStyleLst>
+      <a:lnStyleLst>
+        <a:ln w="9525" cap="flat" cmpd="sng" algn="ctr">
+          <a:solidFill>
+            <a:schemeClr val="phClr">
+              <a:shade val="95000"/>
+              <a:satMod val="105000"/>
+            </a:schemeClr>
+          </a:solidFill>
+          <a:prstDash val="solid"/>
+        </a:ln>
+        <a:ln w="25400" cap="flat" cmpd="sng" algn="ctr">
+          <a:solidFill>
+            <a:schemeClr val="phClr"/>
+          </a:solidFill>
+          <a:prstDash val="solid"/>
+        </a:ln>
+        <a:ln w="38100" cap="flat" cmpd="sng" algn="ctr">
+          <a:solidFill>
+            <a:schemeClr val="phClr"/>
+          </a:solidFill>
+          <a:prstDash val="solid"/>
+        </a:ln>
+      </a:lnStyleLst>
+      <a:effectStyleLst>
+        <a:effectStyle>
+          <a:effectLst>
+            <a:outerShdw blurRad="40000" dist="20000" dir="5400000" rotWithShape="0">
+              <a:srgbClr val="000000">
+                <a:alpha val="38000"/>
+              </a:srgbClr>
+            </a:outerShdw>
+          </a:effectLst>
+        </a:effectStyle>
+        <a:effectStyle>
+          <a:effectLst>
+            <a:outerShdw blurRad="40000" dist="23000" dir="5400000" rotWithShape="0">
+              <a:srgbClr val="000000">
+                <a:alpha val="35000"/>
+              </a:srgbClr>
+            </a:outerShdw>
+          </a:effectLst>
+        </a:effectStyle>
+        <a:effectStyle>
+          <a:effectLst>
+            <a:outerShdw blurRad="40000" dist="23000" dir="5400000" rotWithShape="0">
+              <a:srgbClr val="000000">
+                <a:alpha val="35000"/>
+              </a:srgbClr>
+            </a:outerShdw>
+          </a:effectLst>
+          <a:scene3d>
+            <a:camera prst="orthographicFront">
+              <a:rot lat="0" lon="0" rev="0"/>
+            </a:camera>
+            <a:lightRig rig="threePt" dir="t">
+              <a:rot lat="0" lon="0" rev="1200000"/>
+            </a:lightRig>
+          </a:scene3d>
+          <a:sp3d>
+            <a:bevelT w="63500" h="25400"/>
+          </a:sp3d>
+        </a:effectStyle>
+      </a:effectStyleLst>
+      <a:bgFillStyleLst>
+        <a:solidFill>
+          <a:schemeClr val="phClr"/>
+        </a:solidFill>
+        <a:gradFill rotWithShape="1">
+          <a:gsLst>
+            <a:gs pos="0">
+              <a:schemeClr val="phClr">
+                <a:tint val="40000"/>
+                <a:satMod val="350000"/>
+              </a:schemeClr>
+            </a:gs>
+            <a:gs pos="40000">
+              <a:schemeClr val="phClr">
+                <a:tint val="45000"/>
+                <a:shade val="99000"/>
+                <a:satMod val="350000"/>
+              </a:schemeClr>
+            </a:gs>
+            <a:gs pos="100000">
+              <a:schemeClr val="phClr">
+                <a:shade val="20000"/>
+                <a:satMod val="255000"/>
+              </a:schemeClr>
+            </a:gs>
+          </a:gsLst>
+          <a:path path="circle">
+            <a:fillToRect l="50000" t="-80000" r="50000" b="180000"/>
+          </a:path>
+        </a:gradFill>
+        <a:gradFill rotWithShape="1">
+          <a:gsLst>
+            <a:gs pos="0">
+              <a:schemeClr val="phClr">
+                <a:tint val="80000"/>
+                <a:satMod val="300000"/>
+              </a:schemeClr>
+            </a:gs>
+            <a:gs pos="100000">
+              <a:schemeClr val="phClr">
+                <a:shade val="30000"/>
+                <a:satMod val="200000"/>
+              </a:schemeClr>
+            </a:gs>
+          </a:gsLst>
+          <a:path path="circle">
+            <a:fillToRect l="50000" t="50000" r="50000" b="50000"/>
+          </a:path>
+        </a:gradFill>
+      </a:bgFillStyleLst>
+    </a:fmtScheme>
+  </a:themeElements>
+  <a:objectDefaults/>
+  <a:extraClrSchemeLst/>
+</a:theme>
+</file>
+
 <file path=ppt/theme/themeOverride1.xml><?xml version="1.0" encoding="utf-8"?>
 <a:themeOverride xmlns:a="http://schemas.openxmlformats.org/drawingml/2006/main">
   <a:clrScheme name="Benutzerdefiniert 6">

--- a/FIPLY/Dokumente/Präsentation.pptx
+++ b/FIPLY/Dokumente/Präsentation.pptx
@@ -5,7 +5,7 @@
     <p:sldMasterId id="2147483672" r:id="rId1"/>
   </p:sldMasterIdLst>
   <p:notesMasterIdLst>
-    <p:notesMasterId r:id="rId16"/>
+    <p:notesMasterId r:id="rId17"/>
   </p:notesMasterIdLst>
   <p:sldIdLst>
     <p:sldId id="256" r:id="rId2"/>
@@ -16,12 +16,13 @@
     <p:sldId id="258" r:id="rId7"/>
     <p:sldId id="257" r:id="rId8"/>
     <p:sldId id="268" r:id="rId9"/>
-    <p:sldId id="269" r:id="rId10"/>
-    <p:sldId id="270" r:id="rId11"/>
-    <p:sldId id="271" r:id="rId12"/>
-    <p:sldId id="259" r:id="rId13"/>
-    <p:sldId id="261" r:id="rId14"/>
-    <p:sldId id="263" r:id="rId15"/>
+    <p:sldId id="272" r:id="rId10"/>
+    <p:sldId id="269" r:id="rId11"/>
+    <p:sldId id="270" r:id="rId12"/>
+    <p:sldId id="271" r:id="rId13"/>
+    <p:sldId id="259" r:id="rId14"/>
+    <p:sldId id="261" r:id="rId15"/>
+    <p:sldId id="263" r:id="rId16"/>
   </p:sldIdLst>
   <p:sldSz cx="9144000" cy="6858000" type="screen4x3"/>
   <p:notesSz cx="6858000" cy="9144000"/>
@@ -3271,7 +3272,7 @@
           <a:p>
             <a:fld id="{59B6AAFE-1443-4BE4-82C8-3D6D2087F3F5}" type="slidenum">
               <a:rPr lang="de-DE" smtClean="0"/>
-              <a:t>10</a:t>
+              <a:t>11</a:t>
             </a:fld>
             <a:endParaRPr lang="de-DE"/>
           </a:p>
@@ -3355,7 +3356,7 @@
           <a:p>
             <a:fld id="{59B6AAFE-1443-4BE4-82C8-3D6D2087F3F5}" type="slidenum">
               <a:rPr lang="de-DE" smtClean="0"/>
-              <a:t>11</a:t>
+              <a:t>12</a:t>
             </a:fld>
             <a:endParaRPr lang="de-DE"/>
           </a:p>
@@ -7867,6 +7868,197 @@
 </file>
 
 <file path=ppt/slides/slide10.xml><?xml version="1.0" encoding="utf-8"?>
+<p:sld xmlns:a="http://schemas.openxmlformats.org/drawingml/2006/main" xmlns:r="http://schemas.openxmlformats.org/officeDocument/2006/relationships" xmlns:p="http://schemas.openxmlformats.org/presentationml/2006/main" show="0">
+  <p:cSld>
+    <p:spTree>
+      <p:nvGrpSpPr>
+        <p:cNvPr id="1" name=""/>
+        <p:cNvGrpSpPr/>
+        <p:nvPr/>
+      </p:nvGrpSpPr>
+      <p:grpSpPr>
+        <a:xfrm>
+          <a:off x="0" y="0"/>
+          <a:ext cx="0" cy="0"/>
+          <a:chOff x="0" y="0"/>
+          <a:chExt cx="0" cy="0"/>
+        </a:xfrm>
+      </p:grpSpPr>
+      <p:sp>
+        <p:nvSpPr>
+          <p:cNvPr id="3" name="Titel 2"/>
+          <p:cNvSpPr>
+            <a:spLocks noGrp="1"/>
+          </p:cNvSpPr>
+          <p:nvPr>
+            <p:ph type="title"/>
+          </p:nvPr>
+        </p:nvSpPr>
+        <p:spPr/>
+        <p:txBody>
+          <a:bodyPr/>
+          <a:lstStyle/>
+          <a:p>
+            <a:r>
+              <a:rPr lang="de-AT" dirty="0" err="1" smtClean="0"/>
+              <a:t>tRAININGSASSISTENT</a:t>
+            </a:r>
+            <a:endParaRPr lang="de-DE" dirty="0"/>
+          </a:p>
+        </p:txBody>
+      </p:sp>
+      <p:pic>
+        <p:nvPicPr>
+          <p:cNvPr id="3074" name="Picture 2" descr="C:\Users\Andreas\Desktop\Github\2015_fiply\FIPLY\Dokumente\PräsentationBilder\assistant1.png"/>
+          <p:cNvPicPr>
+            <a:picLocks noChangeAspect="1" noChangeArrowheads="1"/>
+          </p:cNvPicPr>
+          <p:nvPr/>
+        </p:nvPicPr>
+        <p:blipFill>
+          <a:blip r:embed="rId2">
+            <a:extLst>
+              <a:ext uri="{28A0092B-C50C-407E-A947-70E740481C1C}">
+                <a14:useLocalDpi xmlns:a14="http://schemas.microsoft.com/office/drawing/2010/main" val="0"/>
+              </a:ext>
+            </a:extLst>
+          </a:blip>
+          <a:srcRect/>
+          <a:stretch>
+            <a:fillRect/>
+          </a:stretch>
+        </p:blipFill>
+        <p:spPr bwMode="auto">
+          <a:xfrm>
+            <a:off x="122504" y="1526901"/>
+            <a:ext cx="2829743" cy="5030655"/>
+          </a:xfrm>
+          <a:prstGeom prst="rect">
+            <a:avLst/>
+          </a:prstGeom>
+          <a:noFill/>
+          <a:extLst>
+            <a:ext uri="{909E8E84-426E-40DD-AFC4-6F175D3DCCD1}">
+              <a14:hiddenFill xmlns:a14="http://schemas.microsoft.com/office/drawing/2010/main">
+                <a:solidFill>
+                  <a:srgbClr val="FFFFFF"/>
+                </a:solidFill>
+              </a14:hiddenFill>
+            </a:ext>
+          </a:extLst>
+        </p:spPr>
+      </p:pic>
+      <p:pic>
+        <p:nvPicPr>
+          <p:cNvPr id="3075" name="Picture 3" descr="C:\Users\Andreas\Desktop\Github\2015_fiply\FIPLY\Dokumente\PräsentationBilder\assistant2.png"/>
+          <p:cNvPicPr>
+            <a:picLocks noChangeAspect="1" noChangeArrowheads="1"/>
+          </p:cNvPicPr>
+          <p:nvPr/>
+        </p:nvPicPr>
+        <p:blipFill>
+          <a:blip r:embed="rId3">
+            <a:extLst>
+              <a:ext uri="{28A0092B-C50C-407E-A947-70E740481C1C}">
+                <a14:useLocalDpi xmlns:a14="http://schemas.microsoft.com/office/drawing/2010/main" val="0"/>
+              </a:ext>
+            </a:extLst>
+          </a:blip>
+          <a:srcRect/>
+          <a:stretch>
+            <a:fillRect/>
+          </a:stretch>
+        </p:blipFill>
+        <p:spPr bwMode="auto">
+          <a:xfrm>
+            <a:off x="3095897" y="1526903"/>
+            <a:ext cx="2934243" cy="5030653"/>
+          </a:xfrm>
+          <a:prstGeom prst="rect">
+            <a:avLst/>
+          </a:prstGeom>
+          <a:noFill/>
+          <a:extLst>
+            <a:ext uri="{909E8E84-426E-40DD-AFC4-6F175D3DCCD1}">
+              <a14:hiddenFill xmlns:a14="http://schemas.microsoft.com/office/drawing/2010/main">
+                <a:solidFill>
+                  <a:srgbClr val="FFFFFF"/>
+                </a:solidFill>
+              </a14:hiddenFill>
+            </a:ext>
+          </a:extLst>
+        </p:spPr>
+      </p:pic>
+      <p:pic>
+        <p:nvPicPr>
+          <p:cNvPr id="3076" name="Picture 4" descr="C:\Users\Andreas\Desktop\Github\2015_fiply\FIPLY\Dokumente\PräsentationBilder\assistant3.png"/>
+          <p:cNvPicPr>
+            <a:picLocks noChangeAspect="1" noChangeArrowheads="1"/>
+          </p:cNvPicPr>
+          <p:nvPr/>
+        </p:nvPicPr>
+        <p:blipFill>
+          <a:blip r:embed="rId4">
+            <a:extLst>
+              <a:ext uri="{28A0092B-C50C-407E-A947-70E740481C1C}">
+                <a14:useLocalDpi xmlns:a14="http://schemas.microsoft.com/office/drawing/2010/main" val="0"/>
+              </a:ext>
+            </a:extLst>
+          </a:blip>
+          <a:srcRect/>
+          <a:stretch>
+            <a:fillRect/>
+          </a:stretch>
+        </p:blipFill>
+        <p:spPr bwMode="auto">
+          <a:xfrm>
+            <a:off x="6165668" y="1526901"/>
+            <a:ext cx="2829742" cy="5030653"/>
+          </a:xfrm>
+          <a:prstGeom prst="rect">
+            <a:avLst/>
+          </a:prstGeom>
+          <a:noFill/>
+          <a:extLst>
+            <a:ext uri="{909E8E84-426E-40DD-AFC4-6F175D3DCCD1}">
+              <a14:hiddenFill xmlns:a14="http://schemas.microsoft.com/office/drawing/2010/main">
+                <a:solidFill>
+                  <a:srgbClr val="FFFFFF"/>
+                </a:solidFill>
+              </a14:hiddenFill>
+            </a:ext>
+          </a:extLst>
+        </p:spPr>
+      </p:pic>
+    </p:spTree>
+    <p:extLst>
+      <p:ext uri="{BB962C8B-B14F-4D97-AF65-F5344CB8AC3E}">
+        <p14:creationId xmlns:p14="http://schemas.microsoft.com/office/powerpoint/2010/main" val="2504116266"/>
+      </p:ext>
+    </p:extLst>
+  </p:cSld>
+  <p:clrMapOvr>
+    <a:masterClrMapping/>
+  </p:clrMapOvr>
+  <mc:AlternateContent xmlns:mc="http://schemas.openxmlformats.org/markup-compatibility/2006" xmlns:p14="http://schemas.microsoft.com/office/powerpoint/2010/main">
+    <mc:Choice Requires="p14">
+      <p:transition spd="slow" p14:dur="2000"/>
+    </mc:Choice>
+    <mc:Fallback xmlns="">
+      <p:transition spd="slow"/>
+    </mc:Fallback>
+  </mc:AlternateContent>
+  <p:timing>
+    <p:tnLst>
+      <p:par>
+        <p:cTn id="1" dur="indefinite" restart="never" nodeType="tmRoot"/>
+      </p:par>
+    </p:tnLst>
+  </p:timing>
+</p:sld>
+</file>
+
+<file path=ppt/slides/slide11.xml><?xml version="1.0" encoding="utf-8"?>
 <p:sld xmlns:a="http://schemas.openxmlformats.org/drawingml/2006/main" xmlns:r="http://schemas.openxmlformats.org/officeDocument/2006/relationships" xmlns:p="http://schemas.openxmlformats.org/presentationml/2006/main">
   <p:cSld>
     <p:spTree>
@@ -8079,7 +8271,7 @@
 </p:sld>
 </file>
 
-<file path=ppt/slides/slide11.xml><?xml version="1.0" encoding="utf-8"?>
+<file path=ppt/slides/slide12.xml><?xml version="1.0" encoding="utf-8"?>
 <p:sld xmlns:a="http://schemas.openxmlformats.org/drawingml/2006/main" xmlns:r="http://schemas.openxmlformats.org/officeDocument/2006/relationships" xmlns:p="http://schemas.openxmlformats.org/presentationml/2006/main">
   <p:cSld>
     <p:spTree>
@@ -8270,7 +8462,7 @@
 </p:sld>
 </file>
 
-<file path=ppt/slides/slide12.xml><?xml version="1.0" encoding="utf-8"?>
+<file path=ppt/slides/slide13.xml><?xml version="1.0" encoding="utf-8"?>
 <p:sld xmlns:a="http://schemas.openxmlformats.org/drawingml/2006/main" xmlns:r="http://schemas.openxmlformats.org/officeDocument/2006/relationships" xmlns:p="http://schemas.openxmlformats.org/presentationml/2006/main" show="0">
   <p:cSld>
     <p:spTree>
@@ -8411,13 +8603,7 @@
               <a:rPr lang="de-DE" dirty="0" smtClean="0">
                 <a:ea typeface="+mn-ea"/>
               </a:rPr>
-              <a:t>Usermanagement &amp; </a:t>
-            </a:r>
-            <a:r>
-              <a:rPr lang="de-DE" dirty="0" smtClean="0">
-                <a:ea typeface="+mn-ea"/>
-              </a:rPr>
-              <a:t>Statistik</a:t>
+              <a:t>Usermanagement &amp; Statistik</a:t>
             </a:r>
           </a:p>
           <a:p>
@@ -8692,11 +8878,11 @@
   <p:clrMapOvr>
     <a:masterClrMapping/>
   </p:clrMapOvr>
-  <mc:AlternateContent xmlns:mc="http://schemas.openxmlformats.org/markup-compatibility/2006">
-    <mc:Choice xmlns:p14="http://schemas.microsoft.com/office/powerpoint/2010/main" Requires="p14">
+  <mc:AlternateContent xmlns:mc="http://schemas.openxmlformats.org/markup-compatibility/2006" xmlns:p14="http://schemas.microsoft.com/office/powerpoint/2010/main">
+    <mc:Choice Requires="p14">
       <p:transition spd="slow" p14:dur="2000"/>
     </mc:Choice>
-    <mc:Fallback>
+    <mc:Fallback xmlns="">
       <p:transition spd="slow"/>
     </mc:Fallback>
   </mc:AlternateContent>
@@ -8710,7 +8896,7 @@
 </p:sld>
 </file>
 
-<file path=ppt/slides/slide13.xml><?xml version="1.0" encoding="utf-8"?>
+<file path=ppt/slides/slide14.xml><?xml version="1.0" encoding="utf-8"?>
 <p:sld xmlns:a="http://schemas.openxmlformats.org/drawingml/2006/main" xmlns:r="http://schemas.openxmlformats.org/officeDocument/2006/relationships" xmlns:p="http://schemas.openxmlformats.org/presentationml/2006/main">
   <p:cSld>
     <p:spTree>
@@ -9016,7 +9202,7 @@
 </p:sld>
 </file>
 
-<file path=ppt/slides/slide14.xml><?xml version="1.0" encoding="utf-8"?>
+<file path=ppt/slides/slide15.xml><?xml version="1.0" encoding="utf-8"?>
 <p:sld xmlns:a="http://schemas.openxmlformats.org/drawingml/2006/main" xmlns:r="http://schemas.openxmlformats.org/officeDocument/2006/relationships" xmlns:p="http://schemas.openxmlformats.org/presentationml/2006/main">
   <p:cSld>
     <p:spTree>
@@ -10630,25 +10816,6 @@
       </p:grpSpPr>
       <p:sp>
         <p:nvSpPr>
-          <p:cNvPr id="2" name="Inhaltsplatzhalter 1"/>
-          <p:cNvSpPr>
-            <a:spLocks noGrp="1"/>
-          </p:cNvSpPr>
-          <p:nvPr>
-            <p:ph idx="1"/>
-          </p:nvPr>
-        </p:nvSpPr>
-        <p:spPr/>
-        <p:txBody>
-          <a:bodyPr/>
-          <a:lstStyle/>
-          <a:p>
-            <a:endParaRPr lang="de-DE" dirty="0"/>
-          </a:p>
-        </p:txBody>
-      </p:sp>
-      <p:sp>
-        <p:nvSpPr>
           <p:cNvPr id="3" name="Titel 2"/>
           <p:cNvSpPr>
             <a:spLocks noGrp="1"/>
@@ -10752,6 +10919,25 @@
           </a:extLst>
         </p:spPr>
       </p:pic>
+      <p:sp>
+        <p:nvSpPr>
+          <p:cNvPr id="7" name="Inhaltsplatzhalter 6"/>
+          <p:cNvSpPr>
+            <a:spLocks noGrp="1"/>
+          </p:cNvSpPr>
+          <p:nvPr>
+            <p:ph idx="1"/>
+          </p:nvPr>
+        </p:nvSpPr>
+        <p:spPr/>
+        <p:txBody>
+          <a:bodyPr/>
+          <a:lstStyle/>
+          <a:p>
+            <a:endParaRPr lang="de-DE"/>
+          </a:p>
+        </p:txBody>
+      </p:sp>
     </p:spTree>
     <p:extLst>
       <p:ext uri="{BB962C8B-B14F-4D97-AF65-F5344CB8AC3E}">
@@ -10773,7 +10959,7 @@
 </file>
 
 <file path=ppt/slides/slide9.xml><?xml version="1.0" encoding="utf-8"?>
-<p:sld xmlns:a="http://schemas.openxmlformats.org/drawingml/2006/main" xmlns:r="http://schemas.openxmlformats.org/officeDocument/2006/relationships" xmlns:p="http://schemas.openxmlformats.org/presentationml/2006/main" show="0">
+<p:sld xmlns:a="http://schemas.openxmlformats.org/drawingml/2006/main" xmlns:r="http://schemas.openxmlformats.org/officeDocument/2006/relationships" xmlns:p="http://schemas.openxmlformats.org/presentationml/2006/main">
   <p:cSld>
     <p:spTree>
       <p:nvGrpSpPr>
@@ -10789,174 +10975,182 @@
           <a:chExt cx="0" cy="0"/>
         </a:xfrm>
       </p:grpSpPr>
-      <p:sp>
-        <p:nvSpPr>
-          <p:cNvPr id="3" name="Titel 2"/>
-          <p:cNvSpPr>
-            <a:spLocks noGrp="1"/>
-          </p:cNvSpPr>
-          <p:nvPr>
-            <p:ph type="title"/>
-          </p:nvPr>
-        </p:nvSpPr>
-        <p:spPr/>
-        <p:txBody>
-          <a:bodyPr/>
-          <a:lstStyle/>
-          <a:p>
-            <a:r>
-              <a:rPr lang="de-AT" dirty="0" err="1" smtClean="0"/>
-              <a:t>tRAININGSASSISTENT</a:t>
-            </a:r>
-            <a:endParaRPr lang="de-DE" dirty="0"/>
-          </a:p>
-        </p:txBody>
-      </p:sp>
       <p:pic>
         <p:nvPicPr>
-          <p:cNvPr id="3074" name="Picture 2" descr="C:\Users\Andreas\Desktop\Github\2015_fiply\FIPLY\Dokumente\PräsentationBilder\assistant1.png"/>
+          <p:cNvPr id="4" name="Liegestütze.mp4">
+            <a:hlinkClick r:id="" action="ppaction://media"/>
+          </p:cNvPr>
           <p:cNvPicPr>
-            <a:picLocks noChangeAspect="1" noChangeArrowheads="1"/>
+            <a:picLocks noGrp="1" noChangeAspect="1"/>
           </p:cNvPicPr>
-          <p:nvPr/>
+          <p:nvPr>
+            <p:ph idx="1"/>
+            <a:videoFile r:link="rId2"/>
+            <p:extLst>
+              <p:ext uri="{DAA4B4D4-6D71-4841-9C94-3DE7FCFB9230}">
+                <p14:media xmlns:p14="http://schemas.microsoft.com/office/powerpoint/2010/main" r:embed="rId1"/>
+              </p:ext>
+            </p:extLst>
+          </p:nvPr>
         </p:nvPicPr>
         <p:blipFill>
-          <a:blip r:embed="rId2">
-            <a:extLst>
-              <a:ext uri="{28A0092B-C50C-407E-A947-70E740481C1C}">
-                <a14:useLocalDpi xmlns:a14="http://schemas.microsoft.com/office/drawing/2010/main" val="0"/>
-              </a:ext>
-            </a:extLst>
-          </a:blip>
-          <a:srcRect/>
+          <a:blip r:embed="rId4"/>
           <a:stretch>
             <a:fillRect/>
           </a:stretch>
         </p:blipFill>
-        <p:spPr bwMode="auto">
+        <p:spPr>
           <a:xfrm>
-            <a:off x="122504" y="1526901"/>
-            <a:ext cx="2829743" cy="5030655"/>
+            <a:off x="-5805" y="1514203"/>
+            <a:ext cx="9149805" cy="5146766"/>
           </a:xfrm>
-          <a:prstGeom prst="rect">
-            <a:avLst/>
-          </a:prstGeom>
-          <a:noFill/>
-          <a:extLst>
-            <a:ext uri="{909E8E84-426E-40DD-AFC4-6F175D3DCCD1}">
-              <a14:hiddenFill xmlns:a14="http://schemas.microsoft.com/office/drawing/2010/main">
-                <a:solidFill>
-                  <a:srgbClr val="FFFFFF"/>
-                </a:solidFill>
-              </a14:hiddenFill>
-            </a:ext>
-          </a:extLst>
-        </p:spPr>
-      </p:pic>
-      <p:pic>
-        <p:nvPicPr>
-          <p:cNvPr id="3075" name="Picture 3" descr="C:\Users\Andreas\Desktop\Github\2015_fiply\FIPLY\Dokumente\PräsentationBilder\assistant2.png"/>
-          <p:cNvPicPr>
-            <a:picLocks noChangeAspect="1" noChangeArrowheads="1"/>
-          </p:cNvPicPr>
-          <p:nvPr/>
-        </p:nvPicPr>
-        <p:blipFill>
-          <a:blip r:embed="rId3">
-            <a:extLst>
-              <a:ext uri="{28A0092B-C50C-407E-A947-70E740481C1C}">
-                <a14:useLocalDpi xmlns:a14="http://schemas.microsoft.com/office/drawing/2010/main" val="0"/>
-              </a:ext>
-            </a:extLst>
-          </a:blip>
-          <a:srcRect/>
-          <a:stretch>
-            <a:fillRect/>
-          </a:stretch>
-        </p:blipFill>
-        <p:spPr bwMode="auto">
-          <a:xfrm>
-            <a:off x="3095897" y="1526903"/>
-            <a:ext cx="2934243" cy="5030653"/>
-          </a:xfrm>
-          <a:prstGeom prst="rect">
-            <a:avLst/>
-          </a:prstGeom>
-          <a:noFill/>
-          <a:extLst>
-            <a:ext uri="{909E8E84-426E-40DD-AFC4-6F175D3DCCD1}">
-              <a14:hiddenFill xmlns:a14="http://schemas.microsoft.com/office/drawing/2010/main">
-                <a:solidFill>
-                  <a:srgbClr val="FFFFFF"/>
-                </a:solidFill>
-              </a14:hiddenFill>
-            </a:ext>
-          </a:extLst>
-        </p:spPr>
-      </p:pic>
-      <p:pic>
-        <p:nvPicPr>
-          <p:cNvPr id="3076" name="Picture 4" descr="C:\Users\Andreas\Desktop\Github\2015_fiply\FIPLY\Dokumente\PräsentationBilder\assistant3.png"/>
-          <p:cNvPicPr>
-            <a:picLocks noChangeAspect="1" noChangeArrowheads="1"/>
-          </p:cNvPicPr>
-          <p:nvPr/>
-        </p:nvPicPr>
-        <p:blipFill>
-          <a:blip r:embed="rId4">
-            <a:extLst>
-              <a:ext uri="{28A0092B-C50C-407E-A947-70E740481C1C}">
-                <a14:useLocalDpi xmlns:a14="http://schemas.microsoft.com/office/drawing/2010/main" val="0"/>
-              </a:ext>
-            </a:extLst>
-          </a:blip>
-          <a:srcRect/>
-          <a:stretch>
-            <a:fillRect/>
-          </a:stretch>
-        </p:blipFill>
-        <p:spPr bwMode="auto">
-          <a:xfrm>
-            <a:off x="6165668" y="1526901"/>
-            <a:ext cx="2829742" cy="5030653"/>
-          </a:xfrm>
-          <a:prstGeom prst="rect">
-            <a:avLst/>
-          </a:prstGeom>
-          <a:noFill/>
-          <a:extLst>
-            <a:ext uri="{909E8E84-426E-40DD-AFC4-6F175D3DCCD1}">
-              <a14:hiddenFill xmlns:a14="http://schemas.microsoft.com/office/drawing/2010/main">
-                <a:solidFill>
-                  <a:srgbClr val="FFFFFF"/>
-                </a:solidFill>
-              </a14:hiddenFill>
-            </a:ext>
-          </a:extLst>
         </p:spPr>
       </p:pic>
     </p:spTree>
     <p:extLst>
       <p:ext uri="{BB962C8B-B14F-4D97-AF65-F5344CB8AC3E}">
-        <p14:creationId xmlns:p14="http://schemas.microsoft.com/office/powerpoint/2010/main" val="2504116266"/>
+        <p14:creationId xmlns:p14="http://schemas.microsoft.com/office/powerpoint/2010/main" val="3228452621"/>
       </p:ext>
     </p:extLst>
   </p:cSld>
   <p:clrMapOvr>
     <a:masterClrMapping/>
   </p:clrMapOvr>
-  <mc:AlternateContent xmlns:mc="http://schemas.openxmlformats.org/markup-compatibility/2006">
-    <mc:Choice xmlns:p14="http://schemas.microsoft.com/office/powerpoint/2010/main" Requires="p14">
-      <p:transition spd="slow" p14:dur="2000"/>
-    </mc:Choice>
-    <mc:Fallback>
-      <p:transition spd="slow"/>
-    </mc:Fallback>
-  </mc:AlternateContent>
   <p:timing>
     <p:tnLst>
       <p:par>
-        <p:cTn id="1" dur="indefinite" restart="never" nodeType="tmRoot"/>
+        <p:cTn id="1" dur="indefinite" restart="never" nodeType="tmRoot">
+          <p:childTnLst>
+            <p:seq concurrent="1" nextAc="seek">
+              <p:cTn id="2" dur="indefinite" nodeType="mainSeq">
+                <p:childTnLst>
+                  <p:par>
+                    <p:cTn id="3" fill="hold">
+                      <p:stCondLst>
+                        <p:cond delay="indefinite"/>
+                        <p:cond evt="onBegin" delay="0">
+                          <p:tn val="2"/>
+                        </p:cond>
+                      </p:stCondLst>
+                      <p:childTnLst>
+                        <p:par>
+                          <p:cTn id="4" fill="hold">
+                            <p:stCondLst>
+                              <p:cond delay="0"/>
+                            </p:stCondLst>
+                            <p:childTnLst>
+                              <p:par>
+                                <p:cTn id="5" presetID="1" presetClass="mediacall" presetSubtype="0" fill="hold" nodeType="afterEffect">
+                                  <p:stCondLst>
+                                    <p:cond delay="0"/>
+                                  </p:stCondLst>
+                                  <p:childTnLst>
+                                    <p:cmd type="call" cmd="playFrom(0.0)">
+                                      <p:cBhvr>
+                                        <p:cTn id="6" dur="7733" fill="hold"/>
+                                        <p:tgtEl>
+                                          <p:spTgt spid="4"/>
+                                        </p:tgtEl>
+                                      </p:cBhvr>
+                                    </p:cmd>
+                                  </p:childTnLst>
+                                </p:cTn>
+                              </p:par>
+                            </p:childTnLst>
+                          </p:cTn>
+                        </p:par>
+                      </p:childTnLst>
+                    </p:cTn>
+                  </p:par>
+                </p:childTnLst>
+              </p:cTn>
+              <p:prevCondLst>
+                <p:cond evt="onPrev" delay="0">
+                  <p:tgtEl>
+                    <p:sldTgt/>
+                  </p:tgtEl>
+                </p:cond>
+              </p:prevCondLst>
+              <p:nextCondLst>
+                <p:cond evt="onNext" delay="0">
+                  <p:tgtEl>
+                    <p:sldTgt/>
+                  </p:tgtEl>
+                </p:cond>
+              </p:nextCondLst>
+            </p:seq>
+            <p:video>
+              <p:cMediaNode vol="80000">
+                <p:cTn id="7" fill="hold" display="0">
+                  <p:stCondLst>
+                    <p:cond delay="indefinite"/>
+                  </p:stCondLst>
+                </p:cTn>
+                <p:tgtEl>
+                  <p:spTgt spid="4"/>
+                </p:tgtEl>
+              </p:cMediaNode>
+            </p:video>
+            <p:seq concurrent="1" nextAc="seek">
+              <p:cTn id="8" restart="whenNotActive" fill="hold" evtFilter="cancelBubble" nodeType="interactiveSeq">
+                <p:stCondLst>
+                  <p:cond evt="onClick" delay="0">
+                    <p:tgtEl>
+                      <p:spTgt spid="4"/>
+                    </p:tgtEl>
+                  </p:cond>
+                </p:stCondLst>
+                <p:endSync evt="end" delay="0">
+                  <p:rtn val="all"/>
+                </p:endSync>
+                <p:childTnLst>
+                  <p:par>
+                    <p:cTn id="9" fill="hold">
+                      <p:stCondLst>
+                        <p:cond delay="0"/>
+                      </p:stCondLst>
+                      <p:childTnLst>
+                        <p:par>
+                          <p:cTn id="10" fill="hold">
+                            <p:stCondLst>
+                              <p:cond delay="0"/>
+                            </p:stCondLst>
+                            <p:childTnLst>
+                              <p:par>
+                                <p:cTn id="11" presetID="2" presetClass="mediacall" presetSubtype="0" fill="hold" nodeType="clickEffect">
+                                  <p:stCondLst>
+                                    <p:cond delay="0"/>
+                                  </p:stCondLst>
+                                  <p:childTnLst>
+                                    <p:cmd type="call" cmd="togglePause">
+                                      <p:cBhvr>
+                                        <p:cTn id="12" dur="1" fill="hold"/>
+                                        <p:tgtEl>
+                                          <p:spTgt spid="4"/>
+                                        </p:tgtEl>
+                                      </p:cBhvr>
+                                    </p:cmd>
+                                  </p:childTnLst>
+                                </p:cTn>
+                              </p:par>
+                            </p:childTnLst>
+                          </p:cTn>
+                        </p:par>
+                      </p:childTnLst>
+                    </p:cTn>
+                  </p:par>
+                </p:childTnLst>
+              </p:cTn>
+              <p:nextCondLst>
+                <p:cond evt="onClick" delay="0">
+                  <p:tgtEl>
+                    <p:spTgt spid="4"/>
+                  </p:tgtEl>
+                </p:cond>
+              </p:nextCondLst>
+            </p:seq>
+          </p:childTnLst>
+        </p:cTn>
       </p:par>
     </p:tnLst>
   </p:timing>
